--- a/SQLClue/Images/SQLClueOverview.pptx
+++ b/SQLClue/Images/SQLClueOverview.pptx
@@ -194,7 +194,7 @@
             <a:fld id="{88914AAE-077D-4E77-9290-DD5F5A1C2F47}" type="datetimeFigureOut">
               <a:rPr lang="en-US" smtClean="0"/>
               <a:pPr/>
-              <a:t>11/16/2009</a:t>
+              <a:t>4/10/2012</a:t>
             </a:fld>
             <a:endParaRPr lang="en-US" dirty="0"/>
           </a:p>
@@ -724,7 +724,7 @@
             <a:fld id="{110BBD1F-EB88-4421-9151-F9902F687DCD}" type="datetimeFigureOut">
               <a:rPr lang="en-US" smtClean="0"/>
               <a:pPr/>
-              <a:t>11/16/2009</a:t>
+              <a:t>4/10/2012</a:t>
             </a:fld>
             <a:endParaRPr lang="en-US" dirty="0"/>
           </a:p>
@@ -891,7 +891,7 @@
             <a:fld id="{110BBD1F-EB88-4421-9151-F9902F687DCD}" type="datetimeFigureOut">
               <a:rPr lang="en-US" smtClean="0"/>
               <a:pPr/>
-              <a:t>11/16/2009</a:t>
+              <a:t>4/10/2012</a:t>
             </a:fld>
             <a:endParaRPr lang="en-US" dirty="0"/>
           </a:p>
@@ -1068,7 +1068,7 @@
             <a:fld id="{110BBD1F-EB88-4421-9151-F9902F687DCD}" type="datetimeFigureOut">
               <a:rPr lang="en-US" smtClean="0"/>
               <a:pPr/>
-              <a:t>11/16/2009</a:t>
+              <a:t>4/10/2012</a:t>
             </a:fld>
             <a:endParaRPr lang="en-US" dirty="0"/>
           </a:p>
@@ -1235,7 +1235,7 @@
             <a:fld id="{110BBD1F-EB88-4421-9151-F9902F687DCD}" type="datetimeFigureOut">
               <a:rPr lang="en-US" smtClean="0"/>
               <a:pPr/>
-              <a:t>11/16/2009</a:t>
+              <a:t>4/10/2012</a:t>
             </a:fld>
             <a:endParaRPr lang="en-US" dirty="0"/>
           </a:p>
@@ -1478,7 +1478,7 @@
             <a:fld id="{110BBD1F-EB88-4421-9151-F9902F687DCD}" type="datetimeFigureOut">
               <a:rPr lang="en-US" smtClean="0"/>
               <a:pPr/>
-              <a:t>11/16/2009</a:t>
+              <a:t>4/10/2012</a:t>
             </a:fld>
             <a:endParaRPr lang="en-US" dirty="0"/>
           </a:p>
@@ -1763,7 +1763,7 @@
             <a:fld id="{110BBD1F-EB88-4421-9151-F9902F687DCD}" type="datetimeFigureOut">
               <a:rPr lang="en-US" smtClean="0"/>
               <a:pPr/>
-              <a:t>11/16/2009</a:t>
+              <a:t>4/10/2012</a:t>
             </a:fld>
             <a:endParaRPr lang="en-US" dirty="0"/>
           </a:p>
@@ -2182,7 +2182,7 @@
             <a:fld id="{110BBD1F-EB88-4421-9151-F9902F687DCD}" type="datetimeFigureOut">
               <a:rPr lang="en-US" smtClean="0"/>
               <a:pPr/>
-              <a:t>11/16/2009</a:t>
+              <a:t>4/10/2012</a:t>
             </a:fld>
             <a:endParaRPr lang="en-US" dirty="0"/>
           </a:p>
@@ -2297,7 +2297,7 @@
             <a:fld id="{110BBD1F-EB88-4421-9151-F9902F687DCD}" type="datetimeFigureOut">
               <a:rPr lang="en-US" smtClean="0"/>
               <a:pPr/>
-              <a:t>11/16/2009</a:t>
+              <a:t>4/10/2012</a:t>
             </a:fld>
             <a:endParaRPr lang="en-US" dirty="0"/>
           </a:p>
@@ -2389,7 +2389,7 @@
             <a:fld id="{110BBD1F-EB88-4421-9151-F9902F687DCD}" type="datetimeFigureOut">
               <a:rPr lang="en-US" smtClean="0"/>
               <a:pPr/>
-              <a:t>11/16/2009</a:t>
+              <a:t>4/10/2012</a:t>
             </a:fld>
             <a:endParaRPr lang="en-US" dirty="0"/>
           </a:p>
@@ -2663,7 +2663,7 @@
             <a:fld id="{110BBD1F-EB88-4421-9151-F9902F687DCD}" type="datetimeFigureOut">
               <a:rPr lang="en-US" smtClean="0"/>
               <a:pPr/>
-              <a:t>11/16/2009</a:t>
+              <a:t>4/10/2012</a:t>
             </a:fld>
             <a:endParaRPr lang="en-US" dirty="0"/>
           </a:p>
@@ -2913,7 +2913,7 @@
             <a:fld id="{110BBD1F-EB88-4421-9151-F9902F687DCD}" type="datetimeFigureOut">
               <a:rPr lang="en-US" smtClean="0"/>
               <a:pPr/>
-              <a:t>11/16/2009</a:t>
+              <a:t>4/10/2012</a:t>
             </a:fld>
             <a:endParaRPr lang="en-US" dirty="0"/>
           </a:p>
@@ -3123,7 +3123,7 @@
             <a:fld id="{110BBD1F-EB88-4421-9151-F9902F687DCD}" type="datetimeFigureOut">
               <a:rPr lang="en-US" smtClean="0"/>
               <a:pPr/>
-              <a:t>11/16/2009</a:t>
+              <a:t>4/10/2012</a:t>
             </a:fld>
             <a:endParaRPr lang="en-US" dirty="0"/>
           </a:p>
@@ -3502,29 +3502,26 @@
         </p:nvSpPr>
         <p:spPr>
           <a:xfrm>
-            <a:off x="1962150" y="1209675"/>
-            <a:ext cx="4829175" cy="4610100"/>
+            <a:off x="3495674" y="1209675"/>
+            <a:ext cx="3705225" cy="4629150"/>
           </a:xfrm>
           <a:prstGeom prst="rect">
             <a:avLst/>
           </a:prstGeom>
-          <a:gradFill>
+          <a:gradFill flip="none" rotWithShape="1">
             <a:gsLst>
               <a:gs pos="0">
-                <a:srgbClr val="FFFF00">
-                  <a:alpha val="8000"/>
-                </a:srgbClr>
+                <a:schemeClr val="bg1"/>
               </a:gs>
-              <a:gs pos="80000">
-                <a:srgbClr val="FFC000"/>
+              <a:gs pos="64999">
+                <a:srgbClr val="F0EBD5"/>
               </a:gs>
               <a:gs pos="100000">
-                <a:schemeClr val="accent6">
-                  <a:lumMod val="50000"/>
-                </a:schemeClr>
+                <a:srgbClr val="D1C39F"/>
               </a:gs>
             </a:gsLst>
             <a:lin ang="0" scaled="1"/>
+            <a:tileRect/>
           </a:gradFill>
           <a:ln w="50800">
             <a:noFill/>
@@ -3550,56 +3547,20 @@
         <p:txBody>
           <a:bodyPr lIns="182880" tIns="91440" rtlCol="0" anchor="b" anchorCtr="0">
             <a:normAutofit/>
+            <a:scene3d>
+              <a:camera prst="perspectiveRight"/>
+              <a:lightRig rig="threePt" dir="t"/>
+            </a:scene3d>
           </a:bodyPr>
           <a:lstStyle/>
           <a:p>
             <a:r>
-              <a:rPr lang="en-US" sz="3200" i="1" dirty="0" smtClean="0">
-                <a:gradFill flip="none" rotWithShape="1">
-                  <a:gsLst>
-                    <a:gs pos="0">
-                      <a:srgbClr val="DDEBCF"/>
-                    </a:gs>
-                    <a:gs pos="50000">
-                      <a:srgbClr val="9CB86E"/>
-                    </a:gs>
-                    <a:gs pos="100000">
-                      <a:srgbClr val="156B13"/>
-                    </a:gs>
-                  </a:gsLst>
-                  <a:lin ang="10800000" scaled="1"/>
-                  <a:tileRect/>
-                </a:gradFill>
-                <a:effectLst>
-                  <a:outerShdw blurRad="50800" dist="50800" dir="5400000" algn="ctr" rotWithShape="0">
-                    <a:schemeClr val="bg1">
-                      <a:lumMod val="95000"/>
-                    </a:schemeClr>
-                  </a:outerShdw>
-                </a:effectLst>
-                <a:latin typeface="Verdana" pitchFamily="34" charset="0"/>
-                <a:ea typeface="Verdana" pitchFamily="34" charset="0"/>
-                <a:cs typeface="Verdana" pitchFamily="34" charset="0"/>
-              </a:rPr>
-              <a:t>      </a:t>
-            </a:r>
-            <a:r>
-              <a:rPr lang="en-US" sz="3200" i="1" dirty="0" smtClean="0">
-                <a:gradFill flip="none" rotWithShape="1">
-                  <a:gsLst>
-                    <a:gs pos="0">
-                      <a:srgbClr val="DDEBCF"/>
-                    </a:gs>
-                    <a:gs pos="50000">
-                      <a:srgbClr val="9CB86E"/>
-                    </a:gs>
-                    <a:gs pos="100000">
-                      <a:srgbClr val="156B13"/>
-                    </a:gs>
-                  </a:gsLst>
-                  <a:lin ang="10800000" scaled="1"/>
-                  <a:tileRect/>
-                </a:gradFill>
+              <a:rPr lang="en-US" sz="3200" i="1" dirty="0" err="1" smtClean="0">
+                <a:solidFill>
+                  <a:schemeClr val="accent6">
+                    <a:lumMod val="75000"/>
+                  </a:schemeClr>
+                </a:solidFill>
                 <a:effectLst>
                   <a:outerShdw blurRad="88900" dir="2880000" sx="104000" sy="104000" algn="ctr" rotWithShape="0">
                     <a:schemeClr val="bg1">
@@ -3615,21 +3576,11 @@
             </a:r>
             <a:r>
               <a:rPr lang="en-US" sz="1200" i="1" dirty="0" smtClean="0">
-                <a:gradFill flip="none" rotWithShape="1">
-                  <a:gsLst>
-                    <a:gs pos="0">
-                      <a:srgbClr val="DDEBCF"/>
-                    </a:gs>
-                    <a:gs pos="50000">
-                      <a:srgbClr val="9CB86E"/>
-                    </a:gs>
-                    <a:gs pos="100000">
-                      <a:srgbClr val="156B13"/>
-                    </a:gs>
-                  </a:gsLst>
-                  <a:lin ang="10800000" scaled="1"/>
-                  <a:tileRect/>
-                </a:gradFill>
+                <a:solidFill>
+                  <a:schemeClr val="accent6">
+                    <a:lumMod val="75000"/>
+                  </a:schemeClr>
+                </a:solidFill>
                 <a:effectLst>
                   <a:outerShdw blurRad="88900" dir="2880000" sx="104000" sy="104000" algn="ctr" rotWithShape="0">
                     <a:schemeClr val="bg1">
@@ -3646,7 +3597,9 @@
             <a:r>
               <a:rPr lang="en-US" sz="1200" i="1" dirty="0" smtClean="0">
                 <a:solidFill>
-                  <a:schemeClr val="bg1"/>
+                  <a:schemeClr val="accent6">
+                    <a:lumMod val="75000"/>
+                  </a:schemeClr>
                 </a:solidFill>
                 <a:effectLst>
                   <a:outerShdw blurRad="88900" dir="2880000" sx="104000" sy="104000" algn="ctr" rotWithShape="0">
@@ -3663,7 +3616,9 @@
             </a:r>
             <a:endParaRPr lang="en-US" sz="1200" i="1" dirty="0">
               <a:solidFill>
-                <a:schemeClr val="bg1"/>
+                <a:schemeClr val="accent6">
+                  <a:lumMod val="75000"/>
+                </a:schemeClr>
               </a:solidFill>
               <a:effectLst>
                 <a:outerShdw blurRad="88900" dir="2880000" sx="104000" sy="104000" algn="ctr" rotWithShape="0">
@@ -3679,178 +3634,26 @@
           </a:p>
         </p:txBody>
       </p:sp>
-      <p:sp>
-        <p:nvSpPr>
-          <p:cNvPr id="27" name="Rectangle 26"/>
-          <p:cNvSpPr/>
+      <p:grpSp>
+        <p:nvGrpSpPr>
+          <p:cNvPr id="115" name="Group 114"/>
+          <p:cNvGrpSpPr/>
           <p:nvPr/>
-        </p:nvSpPr>
-        <p:spPr>
+        </p:nvGrpSpPr>
+        <p:grpSpPr>
           <a:xfrm>
-            <a:off x="7115177" y="1200149"/>
-            <a:ext cx="1438274" cy="2838451"/>
+            <a:off x="4927367" y="3673936"/>
+            <a:ext cx="2340208" cy="888540"/>
+            <a:chOff x="4755917" y="3597736"/>
+            <a:chExt cx="2235433" cy="888540"/>
           </a:xfrm>
-          <a:prstGeom prst="rect">
-            <a:avLst/>
-          </a:prstGeom>
-          <a:solidFill>
-            <a:schemeClr val="accent1">
-              <a:lumMod val="50000"/>
-            </a:schemeClr>
-          </a:solidFill>
-          <a:ln>
-            <a:noFill/>
-          </a:ln>
           <a:effectLst>
-            <a:outerShdw blurRad="127000" dist="38100" dir="18900000" algn="bl" rotWithShape="0">
+            <a:outerShdw blurRad="50800" dist="38100" dir="10800000" algn="r" rotWithShape="0">
               <a:prstClr val="black">
                 <a:alpha val="40000"/>
               </a:prstClr>
             </a:outerShdw>
           </a:effectLst>
-        </p:spPr>
-        <p:style>
-          <a:lnRef idx="2">
-            <a:schemeClr val="accent1">
-              <a:shade val="50000"/>
-            </a:schemeClr>
-          </a:lnRef>
-          <a:fillRef idx="1">
-            <a:schemeClr val="accent1"/>
-          </a:fillRef>
-          <a:effectRef idx="0">
-            <a:schemeClr val="accent1"/>
-          </a:effectRef>
-          <a:fontRef idx="minor">
-            <a:schemeClr val="lt1"/>
-          </a:fontRef>
-        </p:style>
-        <p:txBody>
-          <a:bodyPr rtlCol="0" anchor="t" anchorCtr="1"/>
-          <a:lstStyle/>
-          <a:p>
-            <a:pPr algn="ctr"/>
-            <a:r>
-              <a:rPr lang="en-US" b="1" dirty="0" smtClean="0">
-                <a:ln w="3175" cap="flat" cmpd="dbl"/>
-                <a:solidFill>
-                  <a:schemeClr val="bg1">
-                    <a:lumMod val="85000"/>
-                  </a:schemeClr>
-                </a:solidFill>
-                <a:effectLst>
-                  <a:outerShdw blurRad="50800" dist="38100" dir="18900000" algn="bl" rotWithShape="0">
-                    <a:schemeClr val="tx1">
-                      <a:lumMod val="95000"/>
-                      <a:lumOff val="5000"/>
-                      <a:alpha val="40000"/>
-                    </a:schemeClr>
-                  </a:outerShdw>
-                </a:effectLst>
-              </a:rPr>
-              <a:t>SQL Servers</a:t>
-            </a:r>
-            <a:endParaRPr lang="en-US" b="1" dirty="0">
-              <a:ln w="3175" cap="flat" cmpd="dbl"/>
-              <a:solidFill>
-                <a:schemeClr val="bg1">
-                  <a:lumMod val="85000"/>
-                </a:schemeClr>
-              </a:solidFill>
-              <a:effectLst>
-                <a:outerShdw blurRad="50800" dist="38100" dir="18900000" algn="bl" rotWithShape="0">
-                  <a:schemeClr val="tx1">
-                    <a:lumMod val="95000"/>
-                    <a:lumOff val="5000"/>
-                    <a:alpha val="40000"/>
-                  </a:schemeClr>
-                </a:outerShdw>
-              </a:effectLst>
-            </a:endParaRPr>
-          </a:p>
-        </p:txBody>
-      </p:sp>
-      <p:sp>
-        <p:nvSpPr>
-          <p:cNvPr id="6" name="Rectangle 5"/>
-          <p:cNvSpPr/>
-          <p:nvPr/>
-        </p:nvSpPr>
-        <p:spPr>
-          <a:xfrm>
-            <a:off x="627710" y="1249659"/>
-            <a:ext cx="1210615" cy="369591"/>
-          </a:xfrm>
-          <a:prstGeom prst="rect">
-            <a:avLst/>
-          </a:prstGeom>
-          <a:solidFill>
-            <a:schemeClr val="accent1">
-              <a:lumMod val="20000"/>
-              <a:lumOff val="80000"/>
-            </a:schemeClr>
-          </a:solidFill>
-          <a:ln w="3175" cap="flat">
-            <a:prstDash val="lgDash"/>
-          </a:ln>
-          <a:effectLst/>
-        </p:spPr>
-        <p:style>
-          <a:lnRef idx="2">
-            <a:schemeClr val="accent1">
-              <a:shade val="50000"/>
-            </a:schemeClr>
-          </a:lnRef>
-          <a:fillRef idx="1">
-            <a:schemeClr val="accent1"/>
-          </a:fillRef>
-          <a:effectRef idx="0">
-            <a:schemeClr val="accent1"/>
-          </a:effectRef>
-          <a:fontRef idx="minor">
-            <a:schemeClr val="lt1"/>
-          </a:fontRef>
-        </p:style>
-        <p:txBody>
-          <a:bodyPr rtlCol="0" anchor="ctr"/>
-          <a:lstStyle/>
-          <a:p>
-            <a:pPr algn="ctr"/>
-            <a:r>
-              <a:rPr lang="en-US" sz="1200" dirty="0" smtClean="0">
-                <a:solidFill>
-                  <a:schemeClr val="tx1">
-                    <a:lumMod val="65000"/>
-                    <a:lumOff val="35000"/>
-                  </a:schemeClr>
-                </a:solidFill>
-              </a:rPr>
-              <a:t>PowerShell (optional)</a:t>
-            </a:r>
-            <a:endParaRPr lang="en-US" sz="1200" dirty="0">
-              <a:solidFill>
-                <a:schemeClr val="tx1">
-                  <a:lumMod val="65000"/>
-                  <a:lumOff val="35000"/>
-                </a:schemeClr>
-              </a:solidFill>
-            </a:endParaRPr>
-          </a:p>
-        </p:txBody>
-      </p:sp>
-      <p:grpSp>
-        <p:nvGrpSpPr>
-          <p:cNvPr id="69" name="Group 68"/>
-          <p:cNvGrpSpPr/>
-          <p:nvPr/>
-        </p:nvGrpSpPr>
-        <p:grpSpPr>
-          <a:xfrm>
-            <a:off x="4479692" y="1902285"/>
-            <a:ext cx="2149708" cy="977611"/>
-            <a:chOff x="2374667" y="1949909"/>
-            <a:chExt cx="2149708" cy="838200"/>
-          </a:xfrm>
         </p:grpSpPr>
         <p:sp>
           <p:nvSpPr>
@@ -3860,8 +3663,8 @@
           </p:nvSpPr>
           <p:spPr>
             <a:xfrm>
-              <a:off x="2374667" y="1949909"/>
-              <a:ext cx="2133600" cy="838200"/>
+              <a:off x="4755917" y="3597736"/>
+              <a:ext cx="2218683" cy="888540"/>
             </a:xfrm>
             <a:prstGeom prst="rect">
               <a:avLst/>
@@ -3900,13 +3703,7 @@
               <a:tileRect/>
             </a:gradFill>
             <a:ln w="0"/>
-            <a:effectLst>
-              <a:outerShdw blurRad="50800" dist="38100" dir="18900000" algn="bl" rotWithShape="0">
-                <a:prstClr val="black">
-                  <a:alpha val="40000"/>
-                </a:prstClr>
-              </a:outerShdw>
-            </a:effectLst>
+            <a:effectLst/>
           </p:spPr>
           <p:style>
             <a:lnRef idx="1">
@@ -3940,7 +3737,22 @@
                     </a:outerShdw>
                   </a:effectLst>
                 </a:rPr>
-                <a:t>Command Line </a:t>
+                <a:t>Command </a:t>
+              </a:r>
+              <a:r>
+                <a:rPr lang="en-US" sz="1600" dirty="0" smtClean="0">
+                  <a:solidFill>
+                    <a:schemeClr val="tx1"/>
+                  </a:solidFill>
+                  <a:effectLst>
+                    <a:outerShdw blurRad="50800" dist="38100" dir="18900000" algn="bl" rotWithShape="0">
+                      <a:prstClr val="black">
+                        <a:alpha val="40000"/>
+                      </a:prstClr>
+                    </a:outerShdw>
+                  </a:effectLst>
+                </a:rPr>
+                <a:t>Line </a:t>
               </a:r>
               <a:endParaRPr lang="en-US" sz="1600" dirty="0">
                 <a:solidFill>
@@ -3965,8 +3777,8 @@
           </p:nvSpPr>
           <p:spPr>
             <a:xfrm>
-              <a:off x="2387009" y="2257021"/>
-              <a:ext cx="2137366" cy="494787"/>
+              <a:off x="4768751" y="3923292"/>
+              <a:ext cx="2222599" cy="524503"/>
             </a:xfrm>
             <a:prstGeom prst="rect">
               <a:avLst/>
@@ -3996,17 +3808,24 @@
       </p:grpSp>
       <p:grpSp>
         <p:nvGrpSpPr>
-          <p:cNvPr id="63" name="Group 62"/>
+          <p:cNvPr id="114" name="Group 113"/>
           <p:cNvGrpSpPr/>
           <p:nvPr/>
         </p:nvGrpSpPr>
         <p:grpSpPr>
           <a:xfrm>
-            <a:off x="4479692" y="3006009"/>
-            <a:ext cx="2133600" cy="794466"/>
-            <a:chOff x="2374667" y="2958384"/>
-            <a:chExt cx="2133600" cy="794466"/>
+            <a:off x="4927367" y="2701209"/>
+            <a:ext cx="2321158" cy="927815"/>
+            <a:chOff x="4755917" y="2758360"/>
+            <a:chExt cx="2216383" cy="690880"/>
           </a:xfrm>
+          <a:effectLst>
+            <a:outerShdw blurRad="50800" dist="38100" dir="10800000" algn="r" rotWithShape="0">
+              <a:prstClr val="black">
+                <a:alpha val="40000"/>
+              </a:prstClr>
+            </a:outerShdw>
+          </a:effectLst>
         </p:grpSpPr>
         <p:sp>
           <p:nvSpPr>
@@ -4016,8 +3835,8 @@
           </p:nvSpPr>
           <p:spPr>
             <a:xfrm>
-              <a:off x="2374667" y="2958384"/>
-              <a:ext cx="2133600" cy="794466"/>
+              <a:off x="4755917" y="2758360"/>
+              <a:ext cx="2216383" cy="613492"/>
             </a:xfrm>
             <a:prstGeom prst="rect">
               <a:avLst/>
@@ -4050,13 +3869,7 @@
               <a:tileRect/>
             </a:gradFill>
             <a:ln w="0"/>
-            <a:effectLst>
-              <a:outerShdw blurRad="50800" dist="38100" algn="l" rotWithShape="0">
-                <a:prstClr val="black">
-                  <a:alpha val="40000"/>
-                </a:prstClr>
-              </a:outerShdw>
-            </a:effectLst>
+            <a:effectLst/>
           </p:spPr>
           <p:style>
             <a:lnRef idx="1">
@@ -4115,8 +3928,8 @@
           </p:nvSpPr>
           <p:spPr>
             <a:xfrm>
-              <a:off x="2387009" y="3267075"/>
-              <a:ext cx="2057400" cy="415498"/>
+              <a:off x="4768738" y="3033742"/>
+              <a:ext cx="2137226" cy="415498"/>
             </a:xfrm>
             <a:prstGeom prst="rect">
               <a:avLst/>
@@ -4132,25 +3945,37 @@
             <a:p>
               <a:r>
                 <a:rPr lang="en-US" sz="1050" dirty="0" smtClean="0"/>
-                <a:t>Stand alone Component Services data collection Scheduler </a:t>
+                <a:t>Windows scheduling service and change event queue activator</a:t>
               </a:r>
+              <a:r>
+                <a:rPr lang="en-US" sz="1050" dirty="0" smtClean="0"/>
+                <a:t>.</a:t>
+              </a:r>
+              <a:endParaRPr lang="en-US" sz="1050" dirty="0" smtClean="0"/>
             </a:p>
           </p:txBody>
         </p:sp>
       </p:grpSp>
       <p:grpSp>
         <p:nvGrpSpPr>
-          <p:cNvPr id="62" name="Group 61"/>
+          <p:cNvPr id="113" name="Group 112"/>
           <p:cNvGrpSpPr/>
           <p:nvPr/>
         </p:nvGrpSpPr>
         <p:grpSpPr>
           <a:xfrm>
-            <a:off x="4479692" y="3943342"/>
-            <a:ext cx="2244958" cy="1223796"/>
-            <a:chOff x="2374667" y="4200518"/>
-            <a:chExt cx="2244958" cy="1057281"/>
+            <a:off x="4927366" y="1352542"/>
+            <a:ext cx="2321159" cy="1223796"/>
+            <a:chOff x="4755916" y="1352542"/>
+            <a:chExt cx="2321159" cy="1223796"/>
           </a:xfrm>
+          <a:effectLst>
+            <a:outerShdw blurRad="50800" dist="38100" dir="10800000" algn="r" rotWithShape="0">
+              <a:prstClr val="black">
+                <a:alpha val="40000"/>
+              </a:prstClr>
+            </a:outerShdw>
+          </a:effectLst>
         </p:grpSpPr>
         <p:sp>
           <p:nvSpPr>
@@ -4160,8 +3985,8 @@
           </p:nvSpPr>
           <p:spPr>
             <a:xfrm>
-              <a:off x="2374667" y="4200518"/>
-              <a:ext cx="2133600" cy="1057281"/>
+              <a:off x="4755916" y="1352542"/>
+              <a:ext cx="2292583" cy="1223796"/>
             </a:xfrm>
             <a:prstGeom prst="rect">
               <a:avLst/>
@@ -4194,13 +4019,7 @@
               <a:tileRect/>
             </a:gradFill>
             <a:ln w="0"/>
-            <a:effectLst>
-              <a:outerShdw blurRad="50800" dist="38100" dir="2700000" algn="tl" rotWithShape="0">
-                <a:prstClr val="black">
-                  <a:alpha val="40000"/>
-                </a:prstClr>
-              </a:outerShdw>
-            </a:effectLst>
+            <a:effectLst/>
           </p:spPr>
           <p:style>
             <a:lnRef idx="1">
@@ -4234,7 +4053,22 @@
                     </a:outerShdw>
                   </a:effectLst>
                 </a:rPr>
-                <a:t>Windows User Interface</a:t>
+                <a:t>User </a:t>
+              </a:r>
+              <a:r>
+                <a:rPr lang="en-US" sz="1600" dirty="0" smtClean="0">
+                  <a:solidFill>
+                    <a:schemeClr val="tx1"/>
+                  </a:solidFill>
+                  <a:effectLst>
+                    <a:outerShdw blurRad="50800" dist="38100" dir="2700000" algn="tl" rotWithShape="0">
+                      <a:prstClr val="black">
+                        <a:alpha val="40000"/>
+                      </a:prstClr>
+                    </a:outerShdw>
+                  </a:effectLst>
+                </a:rPr>
+                <a:t>Interface</a:t>
               </a:r>
               <a:endParaRPr lang="en-US" sz="1600" dirty="0">
                 <a:solidFill>
@@ -4259,13 +4093,14 @@
           </p:nvSpPr>
           <p:spPr>
             <a:xfrm>
-              <a:off x="2387008" y="4466122"/>
-              <a:ext cx="2232617" cy="777755"/>
+              <a:off x="4768677" y="1659977"/>
+              <a:ext cx="2308398" cy="900246"/>
             </a:xfrm>
             <a:prstGeom prst="rect">
               <a:avLst/>
             </a:prstGeom>
             <a:noFill/>
+            <a:effectLst/>
           </p:spPr>
           <p:txBody>
             <a:bodyPr wrap="square" rtlCol="0">
@@ -4275,89 +4110,29 @@
             <a:p>
               <a:r>
                 <a:rPr lang="en-US" sz="1050" dirty="0" smtClean="0"/>
-                <a:t>Configure and execute Component Services.  Collaborate to build the SQL Runbook.  Analyze and share collected data.  Objectively Evaluate data team members .</a:t>
+                <a:t>Configure and execute Component Services.  Collaborate to build the SQL Runbook.  Analyze and share collected data.  </a:t>
               </a:r>
+              <a:r>
+                <a:rPr lang="en-US" sz="1050" dirty="0" smtClean="0"/>
+                <a:t>Peer Review. Objectively evaluate teams and individuals.</a:t>
+              </a:r>
+              <a:endParaRPr lang="en-US" sz="1050" dirty="0" smtClean="0"/>
             </a:p>
           </p:txBody>
         </p:sp>
       </p:grpSp>
-      <p:sp>
-        <p:nvSpPr>
-          <p:cNvPr id="28" name="Can 27"/>
-          <p:cNvSpPr/>
-          <p:nvPr/>
-        </p:nvSpPr>
-        <p:spPr>
-          <a:xfrm rot="707437">
-            <a:off x="7289442" y="2552832"/>
-            <a:ext cx="360606" cy="335929"/>
-          </a:xfrm>
-          <a:prstGeom prst="can">
-            <a:avLst>
-              <a:gd name="adj" fmla="val 17711"/>
-            </a:avLst>
-          </a:prstGeom>
-          <a:gradFill flip="none" rotWithShape="1">
-            <a:gsLst>
-              <a:gs pos="0">
-                <a:schemeClr val="accent2">
-                  <a:tint val="50000"/>
-                  <a:satMod val="300000"/>
-                  <a:alpha val="50000"/>
-                </a:schemeClr>
-              </a:gs>
-              <a:gs pos="35000">
-                <a:schemeClr val="accent2">
-                  <a:tint val="37000"/>
-                  <a:satMod val="300000"/>
-                </a:schemeClr>
-              </a:gs>
-              <a:gs pos="100000">
-                <a:schemeClr val="accent2">
-                  <a:tint val="15000"/>
-                  <a:satMod val="350000"/>
-                </a:schemeClr>
-              </a:gs>
-            </a:gsLst>
-            <a:lin ang="0" scaled="1"/>
-            <a:tileRect/>
-          </a:gradFill>
-        </p:spPr>
-        <p:style>
-          <a:lnRef idx="1">
-            <a:schemeClr val="accent2"/>
-          </a:lnRef>
-          <a:fillRef idx="2">
-            <a:schemeClr val="accent2"/>
-          </a:fillRef>
-          <a:effectRef idx="1">
-            <a:schemeClr val="accent2"/>
-          </a:effectRef>
-          <a:fontRef idx="minor">
-            <a:schemeClr val="dk1"/>
-          </a:fontRef>
-        </p:style>
-        <p:txBody>
-          <a:bodyPr rtlCol="0" anchor="ctr"/>
-          <a:lstStyle/>
-          <a:p>
-            <a:pPr algn="ctr"/>
-            <a:endParaRPr lang="en-US" dirty="0"/>
-          </a:p>
-        </p:txBody>
-      </p:sp>
       <p:grpSp>
         <p:nvGrpSpPr>
-          <p:cNvPr id="54" name="Group 53"/>
+          <p:cNvPr id="106" name="Group 105"/>
           <p:cNvGrpSpPr/>
           <p:nvPr/>
         </p:nvGrpSpPr>
         <p:grpSpPr>
           <a:xfrm>
-            <a:off x="2209801" y="2072496"/>
-            <a:ext cx="1904998" cy="2842404"/>
-            <a:chOff x="4838701" y="1977246"/>
-            <a:chExt cx="1904998" cy="2842404"/>
+            <a:off x="2921624" y="1462895"/>
+            <a:ext cx="2021851" cy="3681463"/>
+            <a:chOff x="2207249" y="1462895"/>
+            <a:chExt cx="2021851" cy="3681463"/>
           </a:xfrm>
         </p:grpSpPr>
         <p:grpSp>
@@ -4368,10 +4143,10 @@
           </p:nvGrpSpPr>
           <p:grpSpPr>
             <a:xfrm>
-              <a:off x="4848225" y="1977246"/>
-              <a:ext cx="1895474" cy="1529743"/>
-              <a:chOff x="4848225" y="1977246"/>
-              <a:chExt cx="1895474" cy="1529743"/>
+              <a:off x="2207249" y="1462895"/>
+              <a:ext cx="2021851" cy="1902983"/>
+              <a:chOff x="4836149" y="1977245"/>
+              <a:chExt cx="2021851" cy="1688031"/>
             </a:xfrm>
           </p:grpSpPr>
           <p:sp>
@@ -4382,8 +4157,8 @@
             </p:nvSpPr>
             <p:spPr>
               <a:xfrm>
-                <a:off x="4848225" y="1977246"/>
-                <a:ext cx="1851327" cy="1375554"/>
+                <a:off x="4848225" y="1977245"/>
+                <a:ext cx="1914525" cy="1583489"/>
               </a:xfrm>
               <a:prstGeom prst="rect">
                 <a:avLst/>
@@ -4469,48 +4244,7 @@
                       </a:innerShdw>
                     </a:effectLst>
                   </a:rPr>
-                  <a:t>SQL </a:t>
-                </a:r>
-                <a:r>
-                  <a:rPr lang="en-US" sz="1600" b="1" dirty="0" smtClean="0">
-                    <a:ln>
-                      <a:gradFill flip="none" rotWithShape="1">
-                        <a:gsLst>
-                          <a:gs pos="0">
-                            <a:schemeClr val="accent1">
-                              <a:tint val="66000"/>
-                              <a:satMod val="160000"/>
-                            </a:schemeClr>
-                          </a:gs>
-                          <a:gs pos="50000">
-                            <a:schemeClr val="accent1">
-                              <a:tint val="44500"/>
-                              <a:satMod val="160000"/>
-                            </a:schemeClr>
-                          </a:gs>
-                          <a:gs pos="100000">
-                            <a:schemeClr val="accent1">
-                              <a:tint val="23500"/>
-                              <a:satMod val="160000"/>
-                            </a:schemeClr>
-                          </a:gs>
-                        </a:gsLst>
-                        <a:lin ang="13500000" scaled="1"/>
-                        <a:tileRect/>
-                      </a:gradFill>
-                    </a:ln>
-                    <a:solidFill>
-                      <a:schemeClr val="bg1"/>
-                    </a:solidFill>
-                    <a:effectLst>
-                      <a:innerShdw blurRad="63500" dist="50800" dir="18900000">
-                        <a:prstClr val="black">
-                          <a:alpha val="50000"/>
-                        </a:prstClr>
-                      </a:innerShdw>
-                    </a:effectLst>
-                  </a:rPr>
-                  <a:t>Configuration Archive</a:t>
+                  <a:t>SQL Configuration Archive</a:t>
                 </a:r>
                 <a:endParaRPr lang="en-US" sz="1600" b="1" dirty="0">
                   <a:ln>
@@ -4561,8 +4295,8 @@
             </p:nvSpPr>
             <p:spPr>
               <a:xfrm>
-                <a:off x="4883774" y="2491326"/>
-                <a:ext cx="1859925" cy="1015663"/>
+                <a:off x="4836149" y="2491327"/>
+                <a:ext cx="2021851" cy="1173949"/>
               </a:xfrm>
               <a:prstGeom prst="rect">
                 <a:avLst/>
@@ -4585,7 +4319,7 @@
                       <a:schemeClr val="bg1"/>
                     </a:solidFill>
                   </a:rPr>
-                  <a:t>DDL Change </a:t>
+                  <a:t>Comprehensive Configuration, Settings and DDL </a:t>
                 </a:r>
                 <a:r>
                   <a:rPr lang="en-US" sz="1000" dirty="0" smtClean="0">
@@ -4593,7 +4327,7 @@
                       <a:schemeClr val="bg1"/>
                     </a:solidFill>
                   </a:rPr>
-                  <a:t>History</a:t>
+                  <a:t>Change History </a:t>
                 </a:r>
               </a:p>
               <a:p>
@@ -4607,7 +4341,7 @@
                       <a:schemeClr val="bg1"/>
                     </a:solidFill>
                   </a:rPr>
-                  <a:t>Service Brokered Event model</a:t>
+                  <a:t>Encryption Hierarchy Backups</a:t>
                 </a:r>
               </a:p>
               <a:p>
@@ -4621,26 +4355,7 @@
                       <a:schemeClr val="bg1"/>
                     </a:solidFill>
                   </a:rPr>
-                  <a:t>Flexible Reporting Capabilities </a:t>
-                </a:r>
-                <a:endParaRPr lang="en-US" sz="1000" dirty="0" smtClean="0">
-                  <a:solidFill>
-                    <a:schemeClr val="bg1"/>
-                  </a:solidFill>
-                </a:endParaRPr>
-              </a:p>
-              <a:p>
-                <a:pPr>
-                  <a:buFont typeface="Arial" pitchFamily="34" charset="0"/>
-                  <a:buChar char="•"/>
-                </a:pPr>
-                <a:r>
-                  <a:rPr lang="en-US" sz="1000" dirty="0" smtClean="0">
-                    <a:solidFill>
-                      <a:schemeClr val="bg1"/>
-                    </a:solidFill>
-                  </a:rPr>
-                  <a:t>Full-Text Searchable</a:t>
+                  <a:t>Brokered Change Notifications</a:t>
                 </a:r>
               </a:p>
               <a:p>
@@ -4654,7 +4369,29 @@
                       <a:schemeClr val="bg1"/>
                     </a:solidFill>
                   </a:rPr>
-                  <a:t>Effortless Rollback/Recovery </a:t>
+                  <a:t>Implicitly Assures Rollback</a:t>
+                </a:r>
+              </a:p>
+              <a:p>
+                <a:pPr>
+                  <a:buFont typeface="Arial" pitchFamily="34" charset="0"/>
+                  <a:buChar char="•"/>
+                </a:pPr>
+                <a:r>
+                  <a:rPr lang="en-US" sz="1000" dirty="0" smtClean="0">
+                    <a:solidFill>
+                      <a:schemeClr val="bg1"/>
+                    </a:solidFill>
+                  </a:rPr>
+                  <a:t>Automatically Secure Offsite </a:t>
+                </a:r>
+                <a:r>
+                  <a:rPr lang="en-US" sz="1000" dirty="0" smtClean="0">
+                    <a:solidFill>
+                      <a:schemeClr val="bg1"/>
+                    </a:solidFill>
+                  </a:rPr>
+                  <a:t> Storage</a:t>
                 </a:r>
                 <a:endParaRPr lang="en-US" sz="1000" dirty="0" smtClean="0">
                   <a:solidFill>
@@ -4684,10 +4421,10 @@
           </p:nvGrpSpPr>
           <p:grpSpPr>
             <a:xfrm>
-              <a:off x="4838701" y="3457575"/>
-              <a:ext cx="1876424" cy="1362075"/>
+              <a:off x="2209801" y="3493677"/>
+              <a:ext cx="1924049" cy="1650681"/>
               <a:chOff x="4838701" y="4162425"/>
-              <a:chExt cx="1876424" cy="1162050"/>
+              <a:chExt cx="1924049" cy="1249201"/>
             </a:xfrm>
           </p:grpSpPr>
           <p:sp>
@@ -4699,7 +4436,7 @@
             <p:spPr>
               <a:xfrm>
                 <a:off x="4838701" y="4162425"/>
-                <a:ext cx="1840604" cy="1162050"/>
+                <a:ext cx="1924049" cy="1162050"/>
               </a:xfrm>
               <a:prstGeom prst="rect">
                 <a:avLst/>
@@ -4712,7 +4449,7 @@
                 <a:noFill/>
               </a:ln>
               <a:effectLst>
-                <a:innerShdw blurRad="63500" dist="50800" dir="2700000">
+                <a:innerShdw blurRad="63500" dist="50800">
                   <a:prstClr val="black">
                     <a:alpha val="50000"/>
                   </a:prstClr>
@@ -4840,8 +4577,8 @@
             </p:nvSpPr>
             <p:spPr>
               <a:xfrm>
-                <a:off x="4851042" y="4410074"/>
-                <a:ext cx="1864083" cy="866510"/>
+                <a:off x="4851042" y="4410075"/>
+                <a:ext cx="1864083" cy="1001551"/>
               </a:xfrm>
               <a:prstGeom prst="rect">
                 <a:avLst/>
@@ -4864,29 +4601,7 @@
                       <a:schemeClr val="bg1"/>
                     </a:solidFill>
                   </a:rPr>
-                  <a:t>Structured </a:t>
-                </a:r>
-                <a:r>
-                  <a:rPr lang="en-US" sz="1000" dirty="0" smtClean="0">
-                    <a:solidFill>
-                      <a:schemeClr val="bg1"/>
-                    </a:solidFill>
-                  </a:rPr>
-                  <a:t>Knowledge Sharing</a:t>
-                </a:r>
-              </a:p>
-              <a:p>
-                <a:pPr>
-                  <a:buFont typeface="Arial" pitchFamily="34" charset="0"/>
-                  <a:buChar char="•"/>
-                </a:pPr>
-                <a:r>
-                  <a:rPr lang="en-US" sz="1000" dirty="0" smtClean="0">
-                    <a:solidFill>
-                      <a:schemeClr val="bg1"/>
-                    </a:solidFill>
-                  </a:rPr>
-                  <a:t>Fosters High Performance IT </a:t>
+                  <a:t>IT Knowledge Sharing</a:t>
                 </a:r>
                 <a:endParaRPr lang="en-US" sz="1000" dirty="0" smtClean="0">
                   <a:solidFill>
@@ -4919,6 +4634,20 @@
                       <a:schemeClr val="bg1"/>
                     </a:solidFill>
                   </a:rPr>
+                  <a:t>Adapts to Existing Workflows</a:t>
+                </a:r>
+              </a:p>
+              <a:p>
+                <a:pPr>
+                  <a:buFont typeface="Arial" pitchFamily="34" charset="0"/>
+                  <a:buChar char="•"/>
+                </a:pPr>
+                <a:r>
+                  <a:rPr lang="en-US" sz="1000" dirty="0" smtClean="0">
+                    <a:solidFill>
+                      <a:schemeClr val="bg1"/>
+                    </a:solidFill>
+                  </a:rPr>
                   <a:t>Full-Text Searchable  </a:t>
                 </a:r>
               </a:p>
@@ -4933,7 +4662,7 @@
                       <a:schemeClr val="bg1"/>
                     </a:solidFill>
                   </a:rPr>
-                  <a:t>Peer Review </a:t>
+                  <a:t>Peer </a:t>
                 </a:r>
                 <a:r>
                   <a:rPr lang="en-US" sz="1000" dirty="0" smtClean="0">
@@ -4941,13 +4670,8 @@
                       <a:schemeClr val="bg1"/>
                     </a:solidFill>
                   </a:rPr>
-                  <a:t> and Collaboration </a:t>
+                  <a:t>Review  </a:t>
                 </a:r>
-                <a:endParaRPr lang="en-US" sz="1000" dirty="0" smtClean="0">
-                  <a:solidFill>
-                    <a:schemeClr val="bg1"/>
-                  </a:solidFill>
-                </a:endParaRPr>
               </a:p>
               <a:p>
                 <a:pPr>
@@ -4960,8 +4684,32 @@
                       <a:schemeClr val="bg1"/>
                     </a:solidFill>
                   </a:rPr>
-                  <a:t>Business Continuity Driver</a:t>
+                  <a:t>Business Continuity </a:t>
                 </a:r>
+                <a:r>
+                  <a:rPr lang="en-US" sz="1000" dirty="0" smtClean="0">
+                    <a:solidFill>
+                      <a:schemeClr val="bg1"/>
+                    </a:solidFill>
+                  </a:rPr>
+                  <a:t>Planning</a:t>
+                </a:r>
+              </a:p>
+              <a:p>
+                <a:pPr>
+                  <a:buFont typeface="Arial" pitchFamily="34" charset="0"/>
+                  <a:buChar char="•"/>
+                </a:pPr>
+                <a:r>
+                  <a:rPr lang="en-US" sz="1000" dirty="0" smtClean="0">
+                    <a:solidFill>
+                      <a:schemeClr val="bg1"/>
+                    </a:solidFill>
+                  </a:rPr>
+                  <a:t>Reduce Interruptions</a:t>
+                </a:r>
+              </a:p>
+              <a:p>
                 <a:endParaRPr lang="en-US" sz="1000" dirty="0" smtClean="0">
                   <a:solidFill>
                     <a:schemeClr val="bg1"/>
@@ -4980,7 +4728,7 @@
         </p:nvSpPr>
         <p:spPr>
           <a:xfrm>
-            <a:off x="529019" y="621267"/>
+            <a:off x="1557719" y="621267"/>
             <a:ext cx="1404556" cy="646331"/>
           </a:xfrm>
           <a:prstGeom prst="rect">
@@ -4999,7 +4747,6 @@
               <a:rPr lang="en-US" dirty="0" smtClean="0"/>
               <a:t>Central Host</a:t>
             </a:r>
-            <a:endParaRPr lang="en-US" dirty="0" smtClean="0"/>
           </a:p>
           <a:p>
             <a:pPr algn="ctr"/>
@@ -5019,7 +4766,7 @@
         </p:nvSpPr>
         <p:spPr>
           <a:xfrm>
-            <a:off x="2409825" y="608661"/>
+            <a:off x="3009900" y="475311"/>
             <a:ext cx="1400175" cy="646331"/>
           </a:xfrm>
           <a:prstGeom prst="rect">
@@ -5050,7 +4797,7 @@
         </p:nvSpPr>
         <p:spPr>
           <a:xfrm>
-            <a:off x="4695825" y="554593"/>
+            <a:off x="5010150" y="487918"/>
             <a:ext cx="1847850" cy="646331"/>
           </a:xfrm>
           <a:prstGeom prst="rect">
@@ -5067,14 +4814,7 @@
             <a:pPr algn="ctr"/>
             <a:r>
               <a:rPr lang="en-US" dirty="0" smtClean="0"/>
-              <a:t>Adaptive</a:t>
-            </a:r>
-          </a:p>
-          <a:p>
-            <a:pPr algn="ctr"/>
-            <a:r>
-              <a:rPr lang="en-US" dirty="0" smtClean="0"/>
-              <a:t>Services</a:t>
+              <a:t>Central Host Services</a:t>
             </a:r>
             <a:endParaRPr lang="en-US" dirty="0"/>
           </a:p>
@@ -5088,7 +4828,7 @@
         </p:nvSpPr>
         <p:spPr>
           <a:xfrm>
-            <a:off x="7044744" y="485775"/>
+            <a:off x="7178094" y="485775"/>
             <a:ext cx="1532586" cy="646331"/>
           </a:xfrm>
           <a:prstGeom prst="rect">
@@ -5104,194 +4844,18 @@
           <a:p>
             <a:pPr algn="ctr"/>
             <a:r>
+              <a:rPr lang="en-US" dirty="0" err="1" smtClean="0"/>
+              <a:t>MetaDAM</a:t>
+            </a:r>
+            <a:r>
               <a:rPr lang="en-US" dirty="0" smtClean="0"/>
-              <a:t>Monitoring Targets</a:t>
+              <a:t> </a:t>
+            </a:r>
+            <a:r>
+              <a:rPr lang="en-US" dirty="0" smtClean="0"/>
+              <a:t>Targets</a:t>
             </a:r>
             <a:endParaRPr lang="en-US" dirty="0"/>
-          </a:p>
-        </p:txBody>
-      </p:sp>
-      <p:sp>
-        <p:nvSpPr>
-          <p:cNvPr id="51" name="Rectangle 50"/>
-          <p:cNvSpPr/>
-          <p:nvPr/>
-        </p:nvSpPr>
-        <p:spPr>
-          <a:xfrm>
-            <a:off x="608661" y="5267324"/>
-            <a:ext cx="1229664" cy="592829"/>
-          </a:xfrm>
-          <a:prstGeom prst="rect">
-            <a:avLst/>
-          </a:prstGeom>
-          <a:solidFill>
-            <a:schemeClr val="accent1">
-              <a:lumMod val="20000"/>
-              <a:lumOff val="80000"/>
-            </a:schemeClr>
-          </a:solidFill>
-          <a:ln w="3175" cap="flat">
-            <a:prstDash val="lgDash"/>
-          </a:ln>
-          <a:effectLst/>
-        </p:spPr>
-        <p:style>
-          <a:lnRef idx="2">
-            <a:schemeClr val="accent1">
-              <a:shade val="50000"/>
-            </a:schemeClr>
-          </a:lnRef>
-          <a:fillRef idx="1">
-            <a:schemeClr val="accent1"/>
-          </a:fillRef>
-          <a:effectRef idx="0">
-            <a:schemeClr val="accent1"/>
-          </a:effectRef>
-          <a:fontRef idx="minor">
-            <a:schemeClr val="lt1"/>
-          </a:fontRef>
-        </p:style>
-        <p:txBody>
-          <a:bodyPr rtlCol="0" anchor="ctr"/>
-          <a:lstStyle/>
-          <a:p>
-            <a:pPr algn="ctr"/>
-            <a:r>
-              <a:rPr lang="en-US" sz="1200" dirty="0" smtClean="0">
-                <a:solidFill>
-                  <a:schemeClr val="tx1">
-                    <a:lumMod val="65000"/>
-                    <a:lumOff val="35000"/>
-                  </a:schemeClr>
-                </a:solidFill>
-              </a:rPr>
-              <a:t>Reporting Services (optional)</a:t>
-            </a:r>
-            <a:endParaRPr lang="en-US" sz="1200" dirty="0">
-              <a:solidFill>
-                <a:schemeClr val="tx1">
-                  <a:lumMod val="65000"/>
-                  <a:lumOff val="35000"/>
-                </a:schemeClr>
-              </a:solidFill>
-            </a:endParaRPr>
-          </a:p>
-        </p:txBody>
-      </p:sp>
-      <p:sp>
-        <p:nvSpPr>
-          <p:cNvPr id="58" name="Left Arrow 57"/>
-          <p:cNvSpPr/>
-          <p:nvPr/>
-        </p:nvSpPr>
-        <p:spPr>
-          <a:xfrm>
-            <a:off x="6877050" y="2257425"/>
-            <a:ext cx="180975" cy="228600"/>
-          </a:xfrm>
-          <a:prstGeom prst="leftArrow">
-            <a:avLst/>
-          </a:prstGeom>
-          <a:effectLst/>
-          <a:scene3d>
-            <a:camera prst="orthographicFront">
-              <a:rot lat="0" lon="0" rev="0"/>
-            </a:camera>
-            <a:lightRig rig="flood" dir="t"/>
-          </a:scene3d>
-          <a:sp3d prstMaterial="dkEdge">
-            <a:bevelT w="63500" h="25400"/>
-          </a:sp3d>
-        </p:spPr>
-        <p:style>
-          <a:lnRef idx="0">
-            <a:schemeClr val="accent2"/>
-          </a:lnRef>
-          <a:fillRef idx="3">
-            <a:schemeClr val="accent2"/>
-          </a:fillRef>
-          <a:effectRef idx="3">
-            <a:schemeClr val="accent2"/>
-          </a:effectRef>
-          <a:fontRef idx="minor">
-            <a:schemeClr val="lt1"/>
-          </a:fontRef>
-        </p:style>
-        <p:txBody>
-          <a:bodyPr rtlCol="0" anchor="ctr"/>
-          <a:lstStyle/>
-          <a:p>
-            <a:pPr algn="ctr"/>
-            <a:endParaRPr lang="en-US" dirty="0"/>
-          </a:p>
-        </p:txBody>
-      </p:sp>
-      <p:sp>
-        <p:nvSpPr>
-          <p:cNvPr id="60" name="Rectangle 59"/>
-          <p:cNvSpPr/>
-          <p:nvPr/>
-        </p:nvSpPr>
-        <p:spPr>
-          <a:xfrm>
-            <a:off x="620333" y="1664772"/>
-            <a:ext cx="1219200" cy="592653"/>
-          </a:xfrm>
-          <a:prstGeom prst="rect">
-            <a:avLst/>
-          </a:prstGeom>
-          <a:solidFill>
-            <a:schemeClr val="accent1">
-              <a:lumMod val="20000"/>
-              <a:lumOff val="80000"/>
-            </a:schemeClr>
-          </a:solidFill>
-          <a:ln w="3175" cap="flat">
-            <a:prstDash val="lgDash"/>
-          </a:ln>
-          <a:effectLst/>
-        </p:spPr>
-        <p:style>
-          <a:lnRef idx="2">
-            <a:schemeClr val="accent1">
-              <a:shade val="50000"/>
-            </a:schemeClr>
-          </a:lnRef>
-          <a:fillRef idx="1">
-            <a:schemeClr val="accent1"/>
-          </a:fillRef>
-          <a:effectRef idx="0">
-            <a:schemeClr val="accent1"/>
-          </a:effectRef>
-          <a:fontRef idx="minor">
-            <a:schemeClr val="lt1"/>
-          </a:fontRef>
-        </p:style>
-        <p:txBody>
-          <a:bodyPr rtlCol="0" anchor="ctr"/>
-          <a:lstStyle/>
-          <a:p>
-            <a:pPr algn="ctr"/>
-            <a:r>
-              <a:rPr lang="en-US" sz="1200" dirty="0" smtClean="0">
-                <a:solidFill>
-                  <a:schemeClr val="tx1">
-                    <a:lumMod val="65000"/>
-                    <a:lumOff val="35000"/>
-                  </a:schemeClr>
-                </a:solidFill>
-              </a:rPr>
-              <a:t>Integration Services  (optional)</a:t>
-            </a:r>
-            <a:endParaRPr lang="en-US" sz="1200" dirty="0">
-              <a:solidFill>
-                <a:schemeClr val="tx1">
-                  <a:lumMod val="65000"/>
-                  <a:lumOff val="35000"/>
-                </a:schemeClr>
-              </a:solidFill>
-            </a:endParaRPr>
           </a:p>
         </p:txBody>
       </p:sp>
@@ -5303,7 +4867,7 @@
         </p:nvSpPr>
         <p:spPr>
           <a:xfrm>
-            <a:off x="620324" y="3029609"/>
+            <a:off x="1629974" y="2715284"/>
             <a:ext cx="1208476" cy="875763"/>
           </a:xfrm>
           <a:prstGeom prst="rect">
@@ -5360,7 +4924,7 @@
         </p:nvSpPr>
         <p:spPr>
           <a:xfrm>
-            <a:off x="620324" y="2784899"/>
+            <a:off x="1629974" y="2470574"/>
             <a:ext cx="1197735" cy="489397"/>
           </a:xfrm>
           <a:prstGeom prst="ellipse">
@@ -5429,7 +4993,7 @@
         </p:nvSpPr>
         <p:spPr>
           <a:xfrm>
-            <a:off x="629848" y="3689774"/>
+            <a:off x="1639498" y="3375449"/>
             <a:ext cx="1197736" cy="494764"/>
           </a:xfrm>
           <a:prstGeom prst="ellipse">
@@ -5474,103 +5038,13 @@
       </p:sp>
       <p:sp>
         <p:nvSpPr>
-          <p:cNvPr id="61" name="Can 60"/>
-          <p:cNvSpPr/>
-          <p:nvPr/>
-        </p:nvSpPr>
-        <p:spPr>
-          <a:xfrm>
-            <a:off x="759313" y="3371299"/>
-            <a:ext cx="425002" cy="455053"/>
-          </a:xfrm>
-          <a:prstGeom prst="can">
-            <a:avLst/>
-          </a:prstGeom>
-          <a:effectLst>
-            <a:outerShdw blurRad="50800" dist="38100" dir="13500000" algn="br" rotWithShape="0">
-              <a:prstClr val="black">
-                <a:alpha val="40000"/>
-              </a:prstClr>
-            </a:outerShdw>
-          </a:effectLst>
-        </p:spPr>
-        <p:style>
-          <a:lnRef idx="0">
-            <a:schemeClr val="accent2"/>
-          </a:lnRef>
-          <a:fillRef idx="3">
-            <a:schemeClr val="accent2"/>
-          </a:fillRef>
-          <a:effectRef idx="3">
-            <a:schemeClr val="accent2"/>
-          </a:effectRef>
-          <a:fontRef idx="minor">
-            <a:schemeClr val="lt1"/>
-          </a:fontRef>
-        </p:style>
-        <p:txBody>
-          <a:bodyPr rtlCol="0" anchor="ctr"/>
-          <a:lstStyle/>
-          <a:p>
-            <a:pPr algn="ctr"/>
-            <a:endParaRPr lang="en-US" dirty="0"/>
-          </a:p>
-        </p:txBody>
-      </p:sp>
-      <p:sp>
-        <p:nvSpPr>
-          <p:cNvPr id="65" name="Can 64"/>
-          <p:cNvSpPr/>
-          <p:nvPr/>
-        </p:nvSpPr>
-        <p:spPr>
-          <a:xfrm>
-            <a:off x="1290307" y="3210448"/>
-            <a:ext cx="424994" cy="455053"/>
-          </a:xfrm>
-          <a:prstGeom prst="can">
-            <a:avLst/>
-          </a:prstGeom>
-          <a:effectLst>
-            <a:outerShdw blurRad="50800" dist="38100" dir="8100000" algn="tr" rotWithShape="0">
-              <a:prstClr val="black">
-                <a:alpha val="40000"/>
-              </a:prstClr>
-            </a:outerShdw>
-          </a:effectLst>
-        </p:spPr>
-        <p:style>
-          <a:lnRef idx="0">
-            <a:schemeClr val="accent5"/>
-          </a:lnRef>
-          <a:fillRef idx="3">
-            <a:schemeClr val="accent5"/>
-          </a:fillRef>
-          <a:effectRef idx="3">
-            <a:schemeClr val="accent5"/>
-          </a:effectRef>
-          <a:fontRef idx="minor">
-            <a:schemeClr val="lt1"/>
-          </a:fontRef>
-        </p:style>
-        <p:txBody>
-          <a:bodyPr rtlCol="0" anchor="ctr"/>
-          <a:lstStyle/>
-          <a:p>
-            <a:pPr algn="ctr"/>
-            <a:endParaRPr lang="en-US" dirty="0"/>
-          </a:p>
-        </p:txBody>
-      </p:sp>
-      <p:sp>
-        <p:nvSpPr>
           <p:cNvPr id="67" name="Oval 66"/>
           <p:cNvSpPr/>
           <p:nvPr/>
         </p:nvSpPr>
         <p:spPr>
           <a:xfrm>
-            <a:off x="621539" y="3669675"/>
+            <a:off x="1631189" y="3355350"/>
             <a:ext cx="1197736" cy="502275"/>
           </a:xfrm>
           <a:prstGeom prst="ellipse">
@@ -5623,7 +5097,7 @@
         </p:nvSpPr>
         <p:spPr>
           <a:xfrm>
-            <a:off x="628918" y="2786800"/>
+            <a:off x="1629043" y="2472475"/>
             <a:ext cx="1197736" cy="502275"/>
           </a:xfrm>
           <a:prstGeom prst="ellipse">
@@ -5669,338 +5143,233 @@
           </a:p>
         </p:txBody>
       </p:sp>
-      <p:grpSp>
-        <p:nvGrpSpPr>
-          <p:cNvPr id="59" name="Group 58"/>
-          <p:cNvGrpSpPr/>
+      <p:sp>
+        <p:nvSpPr>
+          <p:cNvPr id="87" name="Rectangle 86"/>
+          <p:cNvSpPr/>
           <p:nvPr/>
-        </p:nvGrpSpPr>
-        <p:grpSpPr>
+        </p:nvSpPr>
+        <p:spPr>
           <a:xfrm>
-            <a:off x="7086600" y="4191000"/>
-            <a:ext cx="1523999" cy="1647825"/>
-            <a:chOff x="7096125" y="4466688"/>
-            <a:chExt cx="1476374" cy="1638837"/>
+            <a:off x="1637361" y="1590675"/>
+            <a:ext cx="1210614" cy="500230"/>
           </a:xfrm>
-        </p:grpSpPr>
-        <p:sp>
-          <p:nvSpPr>
-            <p:cNvPr id="31" name="Rectangle 30"/>
-            <p:cNvSpPr/>
-            <p:nvPr/>
-          </p:nvSpPr>
-          <p:spPr>
-            <a:xfrm>
-              <a:off x="7096125" y="4466688"/>
-              <a:ext cx="1476374" cy="1638837"/>
-            </a:xfrm>
-            <a:prstGeom prst="rect">
-              <a:avLst/>
-            </a:prstGeom>
-            <a:solidFill>
-              <a:schemeClr val="accent1">
-                <a:lumMod val="50000"/>
-              </a:schemeClr>
-            </a:solidFill>
-            <a:ln>
-              <a:noFill/>
-            </a:ln>
-            <a:effectLst>
-              <a:outerShdw blurRad="50800" dist="38100" dir="2700000" algn="tl" rotWithShape="0">
-                <a:prstClr val="black">
-                  <a:alpha val="40000"/>
-                </a:prstClr>
-              </a:outerShdw>
-            </a:effectLst>
-          </p:spPr>
-          <p:style>
-            <a:lnRef idx="2">
-              <a:schemeClr val="accent1">
-                <a:shade val="50000"/>
-              </a:schemeClr>
-            </a:lnRef>
-            <a:fillRef idx="1">
-              <a:schemeClr val="accent1"/>
-            </a:fillRef>
-            <a:effectRef idx="0">
-              <a:schemeClr val="accent1"/>
-            </a:effectRef>
-            <a:fontRef idx="minor">
-              <a:schemeClr val="lt1"/>
-            </a:fontRef>
-          </p:style>
-          <p:txBody>
-            <a:bodyPr rtlCol="0" anchor="b" anchorCtr="1"/>
-            <a:lstStyle/>
-            <a:p>
-              <a:pPr algn="ctr"/>
-              <a:r>
-                <a:rPr lang="en-US" b="1" dirty="0" smtClean="0">
-                  <a:ln w="50800"/>
-                  <a:solidFill>
-                    <a:schemeClr val="bg1">
-                      <a:lumMod val="85000"/>
-                    </a:schemeClr>
-                  </a:solidFill>
-                  <a:effectLst>
-                    <a:outerShdw blurRad="50800" dist="38100" dir="5400000" algn="t" rotWithShape="0">
-                      <a:prstClr val="black">
-                        <a:alpha val="40000"/>
-                      </a:prstClr>
-                    </a:outerShdw>
-                  </a:effectLst>
-                </a:rPr>
-                <a:t>File Systems</a:t>
-              </a:r>
-              <a:endParaRPr lang="en-US" b="1" dirty="0">
-                <a:ln w="50800"/>
+          <a:prstGeom prst="rect">
+            <a:avLst/>
+          </a:prstGeom>
+          <a:solidFill>
+            <a:schemeClr val="accent1">
+              <a:lumMod val="20000"/>
+              <a:lumOff val="80000"/>
+            </a:schemeClr>
+          </a:solidFill>
+          <a:ln w="25400" cap="flat">
+            <a:prstDash val="solid"/>
+          </a:ln>
+          <a:effectLst/>
+        </p:spPr>
+        <p:style>
+          <a:lnRef idx="2">
+            <a:schemeClr val="accent1">
+              <a:shade val="50000"/>
+            </a:schemeClr>
+          </a:lnRef>
+          <a:fillRef idx="1">
+            <a:schemeClr val="accent1"/>
+          </a:fillRef>
+          <a:effectRef idx="0">
+            <a:schemeClr val="accent1"/>
+          </a:effectRef>
+          <a:fontRef idx="minor">
+            <a:schemeClr val="lt1"/>
+          </a:fontRef>
+        </p:style>
+        <p:txBody>
+          <a:bodyPr rtlCol="0" anchor="ctr"/>
+          <a:lstStyle/>
+          <a:p>
+            <a:pPr algn="ctr"/>
+            <a:r>
+              <a:rPr lang="en-US" sz="1400" dirty="0" smtClean="0">
+                <a:solidFill>
+                  <a:schemeClr val="tx1">
+                    <a:lumMod val="65000"/>
+                    <a:lumOff val="35000"/>
+                  </a:schemeClr>
+                </a:solidFill>
+              </a:rPr>
+              <a:t>Full-Text Search</a:t>
+            </a:r>
+            <a:endParaRPr lang="en-US" sz="1400" dirty="0">
+              <a:solidFill>
+                <a:schemeClr val="tx1">
+                  <a:lumMod val="65000"/>
+                  <a:lumOff val="35000"/>
+                </a:schemeClr>
+              </a:solidFill>
+            </a:endParaRPr>
+          </a:p>
+        </p:txBody>
+      </p:sp>
+      <p:sp>
+        <p:nvSpPr>
+          <p:cNvPr id="27" name="Rectangle 26"/>
+          <p:cNvSpPr/>
+          <p:nvPr/>
+        </p:nvSpPr>
+        <p:spPr>
+          <a:xfrm>
+            <a:off x="7191377" y="1162050"/>
+            <a:ext cx="1447798" cy="2724150"/>
+          </a:xfrm>
+          <a:prstGeom prst="rect">
+            <a:avLst/>
+          </a:prstGeom>
+          <a:gradFill>
+            <a:gsLst>
+              <a:gs pos="0">
+                <a:srgbClr val="FFEFD1"/>
+              </a:gs>
+              <a:gs pos="64999">
+                <a:srgbClr val="F0EBD5"/>
+              </a:gs>
+              <a:gs pos="100000">
+                <a:srgbClr val="D1C39F"/>
+              </a:gs>
+            </a:gsLst>
+            <a:lin ang="10800000" scaled="0"/>
+          </a:gradFill>
+          <a:ln>
+            <a:noFill/>
+          </a:ln>
+          <a:effectLst/>
+        </p:spPr>
+        <p:style>
+          <a:lnRef idx="2">
+            <a:schemeClr val="accent1">
+              <a:shade val="50000"/>
+            </a:schemeClr>
+          </a:lnRef>
+          <a:fillRef idx="1">
+            <a:schemeClr val="accent1"/>
+          </a:fillRef>
+          <a:effectRef idx="0">
+            <a:schemeClr val="accent1"/>
+          </a:effectRef>
+          <a:fontRef idx="minor">
+            <a:schemeClr val="lt1"/>
+          </a:fontRef>
+        </p:style>
+        <p:txBody>
+          <a:bodyPr rtlCol="0" anchor="t" anchorCtr="1"/>
+          <a:lstStyle/>
+          <a:p>
+            <a:pPr algn="ctr"/>
+            <a:r>
+              <a:rPr lang="en-US" b="1" dirty="0" smtClean="0">
+                <a:ln w="3175" cap="flat" cmpd="dbl"/>
                 <a:solidFill>
                   <a:schemeClr val="bg1">
-                    <a:lumMod val="85000"/>
+                    <a:lumMod val="65000"/>
                   </a:schemeClr>
                 </a:solidFill>
                 <a:effectLst>
-                  <a:outerShdw blurRad="50800" dist="38100" dir="5400000" algn="t" rotWithShape="0">
-                    <a:prstClr val="black">
+                  <a:outerShdw blurRad="50800" dist="38100" dir="18900000" algn="bl" rotWithShape="0">
+                    <a:schemeClr val="tx1">
+                      <a:lumMod val="95000"/>
+                      <a:lumOff val="5000"/>
                       <a:alpha val="40000"/>
-                    </a:prstClr>
+                    </a:schemeClr>
                   </a:outerShdw>
                 </a:effectLst>
-              </a:endParaRPr>
-            </a:p>
-          </p:txBody>
-        </p:sp>
-        <p:sp>
-          <p:nvSpPr>
-            <p:cNvPr id="70" name="Cloud 69"/>
-            <p:cNvSpPr/>
-            <p:nvPr/>
-          </p:nvSpPr>
-          <p:spPr>
-            <a:xfrm>
-              <a:off x="7872345" y="5235933"/>
-              <a:ext cx="605307" cy="618186"/>
-            </a:xfrm>
-            <a:prstGeom prst="cloud">
-              <a:avLst/>
-            </a:prstGeom>
-            <a:ln>
-              <a:noFill/>
-            </a:ln>
-          </p:spPr>
-          <p:style>
-            <a:lnRef idx="2">
-              <a:schemeClr val="accent1"/>
-            </a:lnRef>
-            <a:fillRef idx="1">
-              <a:schemeClr val="lt1"/>
-            </a:fillRef>
-            <a:effectRef idx="0">
-              <a:schemeClr val="accent1"/>
-            </a:effectRef>
-            <a:fontRef idx="minor">
-              <a:schemeClr val="dk1"/>
-            </a:fontRef>
-          </p:style>
-          <p:txBody>
-            <a:bodyPr rtlCol="0" anchor="ctr"/>
-            <a:lstStyle/>
-            <a:p>
-              <a:pPr algn="ctr"/>
-              <a:endParaRPr lang="en-US" dirty="0"/>
-            </a:p>
-          </p:txBody>
-        </p:sp>
-        <p:sp>
-          <p:nvSpPr>
-            <p:cNvPr id="76" name="Folded Corner 75"/>
-            <p:cNvSpPr/>
-            <p:nvPr/>
-          </p:nvSpPr>
-          <p:spPr>
-            <a:xfrm>
-              <a:off x="7235232" y="4605343"/>
-              <a:ext cx="476517" cy="502274"/>
-            </a:xfrm>
-            <a:prstGeom prst="foldedCorner">
-              <a:avLst/>
-            </a:prstGeom>
-            <a:ln>
-              <a:noFill/>
-            </a:ln>
-          </p:spPr>
-          <p:style>
-            <a:lnRef idx="1">
-              <a:schemeClr val="accent5"/>
-            </a:lnRef>
-            <a:fillRef idx="2">
-              <a:schemeClr val="accent5"/>
-            </a:fillRef>
-            <a:effectRef idx="1">
-              <a:schemeClr val="accent5"/>
-            </a:effectRef>
-            <a:fontRef idx="minor">
-              <a:schemeClr val="dk1"/>
-            </a:fontRef>
-          </p:style>
-          <p:txBody>
-            <a:bodyPr rtlCol="0" anchor="ctr"/>
-            <a:lstStyle/>
-            <a:p>
-              <a:pPr algn="ctr"/>
-              <a:r>
-                <a:rPr lang="en-US" sz="200" dirty="0" smtClean="0"/>
-                <a:t>Four score and seven years ago our four fathers brought forth upon they continent a new nation conceived in liberty and dedicated to the proposition that all men are created equal.</a:t>
-              </a:r>
-              <a:endParaRPr lang="en-US" sz="200" dirty="0"/>
-            </a:p>
-          </p:txBody>
-        </p:sp>
-        <p:grpSp>
-          <p:nvGrpSpPr>
-            <p:cNvPr id="85" name="Group 84"/>
-            <p:cNvGrpSpPr/>
-            <p:nvPr/>
-          </p:nvGrpSpPr>
-          <p:grpSpPr>
-            <a:xfrm>
-              <a:off x="7982086" y="5312638"/>
-              <a:ext cx="387043" cy="391366"/>
-              <a:chOff x="4042555" y="6071497"/>
-              <a:chExt cx="381876" cy="456597"/>
-            </a:xfrm>
-          </p:grpSpPr>
-          <p:sp>
-            <p:nvSpPr>
-              <p:cNvPr id="82" name="Folded Corner 81"/>
-              <p:cNvSpPr/>
-              <p:nvPr/>
-            </p:nvSpPr>
-            <p:spPr>
-              <a:xfrm>
-                <a:off x="4042555" y="6206120"/>
-                <a:ext cx="218939" cy="321974"/>
-              </a:xfrm>
-              <a:prstGeom prst="foldedCorner">
-                <a:avLst/>
-              </a:prstGeom>
-              <a:ln>
-                <a:noFill/>
-              </a:ln>
-            </p:spPr>
-            <p:style>
-              <a:lnRef idx="1">
-                <a:schemeClr val="accent5"/>
-              </a:lnRef>
-              <a:fillRef idx="2">
-                <a:schemeClr val="accent5"/>
-              </a:fillRef>
-              <a:effectRef idx="1">
-                <a:schemeClr val="accent5"/>
-              </a:effectRef>
-              <a:fontRef idx="minor">
-                <a:schemeClr val="dk1"/>
-              </a:fontRef>
-            </p:style>
-            <p:txBody>
-              <a:bodyPr rtlCol="0" anchor="ctr"/>
-              <a:lstStyle/>
-              <a:p>
-                <a:pPr algn="ctr"/>
-                <a:endParaRPr lang="en-US" dirty="0"/>
-              </a:p>
-            </p:txBody>
-          </p:sp>
-          <p:sp>
-            <p:nvSpPr>
-              <p:cNvPr id="83" name="Folded Corner 82"/>
-              <p:cNvSpPr/>
-              <p:nvPr/>
-            </p:nvSpPr>
-            <p:spPr>
-              <a:xfrm>
-                <a:off x="4114818" y="6144355"/>
-                <a:ext cx="218940" cy="321973"/>
-              </a:xfrm>
-              <a:prstGeom prst="foldedCorner">
-                <a:avLst/>
-              </a:prstGeom>
-              <a:ln>
-                <a:noFill/>
-              </a:ln>
-            </p:spPr>
-            <p:style>
-              <a:lnRef idx="1">
-                <a:schemeClr val="accent5"/>
-              </a:lnRef>
-              <a:fillRef idx="2">
-                <a:schemeClr val="accent5"/>
-              </a:fillRef>
-              <a:effectRef idx="1">
-                <a:schemeClr val="accent5"/>
-              </a:effectRef>
-              <a:fontRef idx="minor">
-                <a:schemeClr val="dk1"/>
-              </a:fontRef>
-            </p:style>
-            <p:txBody>
-              <a:bodyPr rtlCol="0" anchor="ctr"/>
-              <a:lstStyle/>
-              <a:p>
-                <a:pPr algn="ctr"/>
-                <a:endParaRPr lang="en-US" dirty="0"/>
-              </a:p>
-            </p:txBody>
-          </p:sp>
-          <p:sp>
-            <p:nvSpPr>
-              <p:cNvPr id="84" name="Folded Corner 83"/>
-              <p:cNvSpPr/>
-              <p:nvPr/>
-            </p:nvSpPr>
-            <p:spPr>
-              <a:xfrm>
-                <a:off x="4205492" y="6071497"/>
-                <a:ext cx="218939" cy="321975"/>
-              </a:xfrm>
-              <a:prstGeom prst="foldedCorner">
-                <a:avLst/>
-              </a:prstGeom>
-              <a:ln>
-                <a:noFill/>
-              </a:ln>
-            </p:spPr>
-            <p:style>
-              <a:lnRef idx="1">
-                <a:schemeClr val="accent5"/>
-              </a:lnRef>
-              <a:fillRef idx="2">
-                <a:schemeClr val="accent5"/>
-              </a:fillRef>
-              <a:effectRef idx="1">
-                <a:schemeClr val="accent5"/>
-              </a:effectRef>
-              <a:fontRef idx="minor">
-                <a:schemeClr val="dk1"/>
-              </a:fontRef>
-            </p:style>
-            <p:txBody>
-              <a:bodyPr rtlCol="0" anchor="ctr">
-                <a:normAutofit fontScale="70000" lnSpcReduction="20000"/>
-              </a:bodyPr>
-              <a:lstStyle/>
-              <a:p>
-                <a:pPr algn="ctr"/>
-                <a:r>
-                  <a:rPr lang="en-US" sz="200" dirty="0" smtClean="0"/>
-                  <a:t>Put the lime in the coconut and drink it all up</a:t>
-                </a:r>
-                <a:endParaRPr lang="en-US" sz="200" dirty="0"/>
-              </a:p>
-            </p:txBody>
-          </p:sp>
-        </p:grpSp>
-      </p:grpSp>
+              </a:rPr>
+              <a:t>SQL Servers</a:t>
+            </a:r>
+            <a:endParaRPr lang="en-US" b="1" dirty="0">
+              <a:ln w="3175" cap="flat" cmpd="dbl"/>
+              <a:solidFill>
+                <a:schemeClr val="bg1">
+                  <a:lumMod val="65000"/>
+                </a:schemeClr>
+              </a:solidFill>
+              <a:effectLst>
+                <a:outerShdw blurRad="50800" dist="38100" dir="18900000" algn="bl" rotWithShape="0">
+                  <a:schemeClr val="tx1">
+                    <a:lumMod val="95000"/>
+                    <a:lumOff val="5000"/>
+                    <a:alpha val="40000"/>
+                  </a:schemeClr>
+                </a:outerShdw>
+              </a:effectLst>
+            </a:endParaRPr>
+          </a:p>
+        </p:txBody>
+      </p:sp>
+      <p:sp>
+        <p:nvSpPr>
+          <p:cNvPr id="28" name="Can 27"/>
+          <p:cNvSpPr/>
+          <p:nvPr/>
+        </p:nvSpPr>
+        <p:spPr>
+          <a:xfrm rot="707437">
+            <a:off x="7384692" y="2489973"/>
+            <a:ext cx="360606" cy="317953"/>
+          </a:xfrm>
+          <a:prstGeom prst="can">
+            <a:avLst>
+              <a:gd name="adj" fmla="val 17711"/>
+            </a:avLst>
+          </a:prstGeom>
+          <a:gradFill flip="none" rotWithShape="1">
+            <a:gsLst>
+              <a:gs pos="0">
+                <a:schemeClr val="accent2">
+                  <a:tint val="50000"/>
+                  <a:satMod val="300000"/>
+                  <a:alpha val="50000"/>
+                </a:schemeClr>
+              </a:gs>
+              <a:gs pos="35000">
+                <a:schemeClr val="accent2">
+                  <a:tint val="37000"/>
+                  <a:satMod val="300000"/>
+                </a:schemeClr>
+              </a:gs>
+              <a:gs pos="100000">
+                <a:schemeClr val="accent2">
+                  <a:tint val="15000"/>
+                  <a:satMod val="350000"/>
+                </a:schemeClr>
+              </a:gs>
+            </a:gsLst>
+            <a:lin ang="0" scaled="1"/>
+            <a:tileRect/>
+          </a:gradFill>
+        </p:spPr>
+        <p:style>
+          <a:lnRef idx="1">
+            <a:schemeClr val="accent2"/>
+          </a:lnRef>
+          <a:fillRef idx="2">
+            <a:schemeClr val="accent2"/>
+          </a:fillRef>
+          <a:effectRef idx="1">
+            <a:schemeClr val="accent2"/>
+          </a:effectRef>
+          <a:fontRef idx="minor">
+            <a:schemeClr val="dk1"/>
+          </a:fontRef>
+        </p:style>
+        <p:txBody>
+          <a:bodyPr rtlCol="0" anchor="ctr"/>
+          <a:lstStyle/>
+          <a:p>
+            <a:pPr algn="ctr"/>
+            <a:endParaRPr lang="en-US" dirty="0"/>
+          </a:p>
+        </p:txBody>
+      </p:sp>
       <p:sp>
         <p:nvSpPr>
           <p:cNvPr id="41" name="Can 40"/>
@@ -6009,8 +5378,8 @@
         </p:nvSpPr>
         <p:spPr>
           <a:xfrm rot="21302485">
-            <a:off x="7411659" y="2752857"/>
-            <a:ext cx="875092" cy="990600"/>
+            <a:off x="7506909" y="2679294"/>
+            <a:ext cx="875092" cy="937591"/>
           </a:xfrm>
           <a:prstGeom prst="can">
             <a:avLst/>
@@ -6068,82 +5437,14 @@
       </p:sp>
       <p:sp>
         <p:nvSpPr>
-          <p:cNvPr id="87" name="Rectangle 86"/>
-          <p:cNvSpPr/>
-          <p:nvPr/>
-        </p:nvSpPr>
-        <p:spPr>
-          <a:xfrm>
-            <a:off x="608661" y="4297659"/>
-            <a:ext cx="1210614" cy="441196"/>
-          </a:xfrm>
-          <a:prstGeom prst="rect">
-            <a:avLst/>
-          </a:prstGeom>
-          <a:solidFill>
-            <a:schemeClr val="accent1">
-              <a:lumMod val="20000"/>
-              <a:lumOff val="80000"/>
-            </a:schemeClr>
-          </a:solidFill>
-          <a:ln w="25400" cap="flat">
-            <a:prstDash val="solid"/>
-          </a:ln>
-          <a:effectLst/>
-        </p:spPr>
-        <p:style>
-          <a:lnRef idx="2">
-            <a:schemeClr val="accent1">
-              <a:shade val="50000"/>
-            </a:schemeClr>
-          </a:lnRef>
-          <a:fillRef idx="1">
-            <a:schemeClr val="accent1"/>
-          </a:fillRef>
-          <a:effectRef idx="0">
-            <a:schemeClr val="accent1"/>
-          </a:effectRef>
-          <a:fontRef idx="minor">
-            <a:schemeClr val="lt1"/>
-          </a:fontRef>
-        </p:style>
-        <p:txBody>
-          <a:bodyPr rtlCol="0" anchor="ctr"/>
-          <a:lstStyle/>
-          <a:p>
-            <a:pPr algn="ctr"/>
-            <a:r>
-              <a:rPr lang="en-US" sz="1400" dirty="0" smtClean="0">
-                <a:solidFill>
-                  <a:schemeClr val="tx1">
-                    <a:lumMod val="65000"/>
-                    <a:lumOff val="35000"/>
-                  </a:schemeClr>
-                </a:solidFill>
-              </a:rPr>
-              <a:t>Full-Text Search</a:t>
-            </a:r>
-            <a:endParaRPr lang="en-US" sz="1400" dirty="0">
-              <a:solidFill>
-                <a:schemeClr val="tx1">
-                  <a:lumMod val="65000"/>
-                  <a:lumOff val="35000"/>
-                </a:schemeClr>
-              </a:solidFill>
-            </a:endParaRPr>
-          </a:p>
-        </p:txBody>
-      </p:sp>
-      <p:sp>
-        <p:nvSpPr>
           <p:cNvPr id="29" name="Can 28"/>
           <p:cNvSpPr/>
           <p:nvPr/>
         </p:nvSpPr>
         <p:spPr>
           <a:xfrm rot="15835101">
-            <a:off x="7395287" y="2251876"/>
-            <a:ext cx="430742" cy="457200"/>
+            <a:off x="7502062" y="2192889"/>
+            <a:ext cx="407692" cy="457200"/>
           </a:xfrm>
           <a:prstGeom prst="can">
             <a:avLst>
@@ -6207,8 +5508,8 @@
         </p:nvSpPr>
         <p:spPr>
           <a:xfrm rot="19862346">
-            <a:off x="7565667" y="1771782"/>
-            <a:ext cx="753418" cy="709407"/>
+            <a:off x="7660917" y="1750718"/>
+            <a:ext cx="753418" cy="671445"/>
           </a:xfrm>
           <a:prstGeom prst="can">
             <a:avLst/>
@@ -6279,8 +5580,8 @@
         </p:nvSpPr>
         <p:spPr>
           <a:xfrm rot="20716158">
-            <a:off x="7916328" y="2091639"/>
-            <a:ext cx="538763" cy="738676"/>
+            <a:off x="8011578" y="2053459"/>
+            <a:ext cx="538763" cy="699148"/>
           </a:xfrm>
           <a:prstGeom prst="can">
             <a:avLst>
@@ -6338,41 +5639,34 @@
       </p:sp>
       <p:sp>
         <p:nvSpPr>
-          <p:cNvPr id="88" name="Left Arrow 87"/>
+          <p:cNvPr id="70" name="Cloud 69"/>
           <p:cNvSpPr/>
           <p:nvPr/>
         </p:nvSpPr>
         <p:spPr>
           <a:xfrm>
-            <a:off x="6877050" y="4346782"/>
-            <a:ext cx="171450" cy="234743"/>
+            <a:off x="7981670" y="4808370"/>
+            <a:ext cx="601428" cy="725771"/>
           </a:xfrm>
-          <a:prstGeom prst="leftArrow">
+          <a:prstGeom prst="cloud">
             <a:avLst/>
           </a:prstGeom>
-          <a:effectLst/>
-          <a:scene3d>
-            <a:camera prst="orthographicFront">
-              <a:rot lat="0" lon="0" rev="0"/>
-            </a:camera>
-            <a:lightRig rig="flood" dir="t"/>
-          </a:scene3d>
-          <a:sp3d prstMaterial="dkEdge">
-            <a:bevelT w="63500" h="25400"/>
-          </a:sp3d>
+          <a:ln>
+            <a:noFill/>
+          </a:ln>
         </p:spPr>
         <p:style>
-          <a:lnRef idx="0">
-            <a:schemeClr val="accent5"/>
+          <a:lnRef idx="2">
+            <a:schemeClr val="accent1"/>
           </a:lnRef>
-          <a:fillRef idx="3">
-            <a:schemeClr val="accent5"/>
+          <a:fillRef idx="1">
+            <a:schemeClr val="lt1"/>
           </a:fillRef>
-          <a:effectRef idx="3">
-            <a:schemeClr val="accent5"/>
+          <a:effectRef idx="0">
+            <a:schemeClr val="accent1"/>
           </a:effectRef>
           <a:fontRef idx="minor">
-            <a:schemeClr val="lt1"/>
+            <a:schemeClr val="dk1"/>
           </a:fontRef>
         </p:style>
         <p:txBody>
@@ -6386,26 +5680,35 @@
       </p:sp>
       <p:sp>
         <p:nvSpPr>
-          <p:cNvPr id="74" name="Rectangle 73"/>
+          <p:cNvPr id="31" name="Rectangle 30"/>
           <p:cNvSpPr/>
           <p:nvPr/>
         </p:nvSpPr>
         <p:spPr>
           <a:xfrm>
-            <a:off x="618185" y="2306934"/>
-            <a:ext cx="1223493" cy="369591"/>
+            <a:off x="7191374" y="3886200"/>
+            <a:ext cx="1457326" cy="2019300"/>
           </a:xfrm>
           <a:prstGeom prst="rect">
             <a:avLst/>
           </a:prstGeom>
-          <a:solidFill>
-            <a:schemeClr val="accent1">
-              <a:lumMod val="20000"/>
-              <a:lumOff val="80000"/>
-            </a:schemeClr>
-          </a:solidFill>
-          <a:ln w="3175" cap="flat">
-            <a:prstDash val="lgDash"/>
+          <a:gradFill flip="none" rotWithShape="1">
+            <a:gsLst>
+              <a:gs pos="0">
+                <a:srgbClr val="FFEFD1"/>
+              </a:gs>
+              <a:gs pos="64999">
+                <a:srgbClr val="F0EBD5"/>
+              </a:gs>
+              <a:gs pos="100000">
+                <a:srgbClr val="D1C39F"/>
+              </a:gs>
+            </a:gsLst>
+            <a:lin ang="10800000" scaled="1"/>
+            <a:tileRect/>
+          </a:gradFill>
+          <a:ln>
+            <a:noFill/>
           </a:ln>
           <a:effectLst/>
         </p:spPr>
@@ -6426,110 +5729,56 @@
           </a:fontRef>
         </p:style>
         <p:txBody>
-          <a:bodyPr rtlCol="0" anchor="ctr"/>
+          <a:bodyPr rtlCol="0" anchor="b" anchorCtr="1"/>
           <a:lstStyle/>
           <a:p>
             <a:pPr algn="ctr"/>
             <a:r>
-              <a:rPr lang="en-US" sz="1200" dirty="0" smtClean="0">
+              <a:rPr lang="en-US" b="1" dirty="0" smtClean="0">
+                <a:ln w="50800"/>
                 <a:solidFill>
-                  <a:schemeClr val="tx1">
+                  <a:schemeClr val="bg1">
                     <a:lumMod val="65000"/>
-                    <a:lumOff val="35000"/>
                   </a:schemeClr>
                 </a:solidFill>
+                <a:effectLst>
+                  <a:outerShdw blurRad="50800" dist="38100" dir="5400000" algn="t" rotWithShape="0">
+                    <a:prstClr val="black">
+                      <a:alpha val="40000"/>
+                    </a:prstClr>
+                  </a:outerShdw>
+                </a:effectLst>
               </a:rPr>
-              <a:t>SQL Agent (optional)</a:t>
-            </a:r>
-            <a:endParaRPr lang="en-US" sz="1200" dirty="0">
+              <a:t>File Systems</a:t>
+            </a:r>
+            <a:endParaRPr lang="en-US" b="1" dirty="0">
+              <a:ln w="50800"/>
               <a:solidFill>
-                <a:schemeClr val="tx1">
+                <a:schemeClr val="bg1">
                   <a:lumMod val="65000"/>
-                  <a:lumOff val="35000"/>
                 </a:schemeClr>
               </a:solidFill>
+              <a:effectLst>
+                <a:outerShdw blurRad="50800" dist="38100" dir="5400000" algn="t" rotWithShape="0">
+                  <a:prstClr val="black">
+                    <a:alpha val="40000"/>
+                  </a:prstClr>
+                </a:outerShdw>
+              </a:effectLst>
             </a:endParaRPr>
           </a:p>
         </p:txBody>
       </p:sp>
       <p:sp>
         <p:nvSpPr>
-          <p:cNvPr id="75" name="Rectangle 74"/>
+          <p:cNvPr id="76" name="Folded Corner 75"/>
           <p:cNvSpPr/>
           <p:nvPr/>
         </p:nvSpPr>
         <p:spPr>
           <a:xfrm>
-            <a:off x="608660" y="4802484"/>
-            <a:ext cx="1223493" cy="417216"/>
-          </a:xfrm>
-          <a:prstGeom prst="rect">
-            <a:avLst/>
-          </a:prstGeom>
-          <a:solidFill>
-            <a:schemeClr val="accent1">
-              <a:lumMod val="20000"/>
-              <a:lumOff val="80000"/>
-            </a:schemeClr>
-          </a:solidFill>
-          <a:ln w="3175" cap="flat">
-            <a:prstDash val="lgDash"/>
-          </a:ln>
-          <a:effectLst/>
-        </p:spPr>
-        <p:style>
-          <a:lnRef idx="2">
-            <a:schemeClr val="accent1">
-              <a:shade val="50000"/>
-            </a:schemeClr>
-          </a:lnRef>
-          <a:fillRef idx="1">
-            <a:schemeClr val="accent1"/>
-          </a:fillRef>
-          <a:effectRef idx="0">
-            <a:schemeClr val="accent1"/>
-          </a:effectRef>
-          <a:fontRef idx="minor">
-            <a:schemeClr val="lt1"/>
-          </a:fontRef>
-        </p:style>
-        <p:txBody>
-          <a:bodyPr rtlCol="0" anchor="ctr"/>
-          <a:lstStyle/>
-          <a:p>
-            <a:pPr algn="ctr"/>
-            <a:r>
-              <a:rPr lang="en-US" sz="1200" dirty="0" smtClean="0">
-                <a:solidFill>
-                  <a:schemeClr val="tx1">
-                    <a:lumMod val="65000"/>
-                    <a:lumOff val="35000"/>
-                  </a:schemeClr>
-                </a:solidFill>
-              </a:rPr>
-              <a:t>SQL Agent (optional)</a:t>
-            </a:r>
-            <a:endParaRPr lang="en-US" sz="1200" dirty="0">
-              <a:solidFill>
-                <a:schemeClr val="tx1">
-                  <a:lumMod val="65000"/>
-                  <a:lumOff val="35000"/>
-                </a:schemeClr>
-              </a:solidFill>
-            </a:endParaRPr>
-          </a:p>
-        </p:txBody>
-      </p:sp>
-      <p:sp>
-        <p:nvSpPr>
-          <p:cNvPr id="73" name="Folded Corner 72"/>
-          <p:cNvSpPr/>
-          <p:nvPr/>
-        </p:nvSpPr>
-        <p:spPr>
-          <a:xfrm>
-            <a:off x="7449269" y="4584367"/>
-            <a:ext cx="491889" cy="493352"/>
+            <a:off x="7348639" y="4068036"/>
+            <a:ext cx="473464" cy="589687"/>
           </a:xfrm>
           <a:prstGeom prst="foldedCorner">
             <a:avLst/>
@@ -6565,166 +5814,783 @@
           </a:p>
         </p:txBody>
       </p:sp>
-      <p:cxnSp>
-        <p:nvCxnSpPr>
-          <p:cNvPr id="92" name="Straight Connector 91"/>
-          <p:cNvCxnSpPr>
-            <a:endCxn id="16" idx="1"/>
-          </p:cNvCxnSpPr>
+      <p:grpSp>
+        <p:nvGrpSpPr>
+          <p:cNvPr id="85" name="Group 84"/>
+          <p:cNvGrpSpPr/>
           <p:nvPr/>
-        </p:nvCxnSpPr>
+        </p:nvGrpSpPr>
+        <p:grpSpPr>
+          <a:xfrm>
+            <a:off x="8090707" y="4898424"/>
+            <a:ext cx="384562" cy="459477"/>
+            <a:chOff x="4042555" y="6071497"/>
+            <a:chExt cx="381876" cy="456597"/>
+          </a:xfrm>
+        </p:grpSpPr>
+        <p:sp>
+          <p:nvSpPr>
+            <p:cNvPr id="82" name="Folded Corner 81"/>
+            <p:cNvSpPr/>
+            <p:nvPr/>
+          </p:nvSpPr>
+          <p:spPr>
+            <a:xfrm>
+              <a:off x="4042555" y="6206120"/>
+              <a:ext cx="218939" cy="321974"/>
+            </a:xfrm>
+            <a:prstGeom prst="foldedCorner">
+              <a:avLst/>
+            </a:prstGeom>
+            <a:ln>
+              <a:noFill/>
+            </a:ln>
+          </p:spPr>
+          <p:style>
+            <a:lnRef idx="1">
+              <a:schemeClr val="accent5"/>
+            </a:lnRef>
+            <a:fillRef idx="2">
+              <a:schemeClr val="accent5"/>
+            </a:fillRef>
+            <a:effectRef idx="1">
+              <a:schemeClr val="accent5"/>
+            </a:effectRef>
+            <a:fontRef idx="minor">
+              <a:schemeClr val="dk1"/>
+            </a:fontRef>
+          </p:style>
+          <p:txBody>
+            <a:bodyPr rtlCol="0" anchor="ctr"/>
+            <a:lstStyle/>
+            <a:p>
+              <a:pPr algn="ctr"/>
+              <a:endParaRPr lang="en-US" dirty="0"/>
+            </a:p>
+          </p:txBody>
+        </p:sp>
+        <p:sp>
+          <p:nvSpPr>
+            <p:cNvPr id="83" name="Folded Corner 82"/>
+            <p:cNvSpPr/>
+            <p:nvPr/>
+          </p:nvSpPr>
+          <p:spPr>
+            <a:xfrm>
+              <a:off x="4114818" y="6144355"/>
+              <a:ext cx="218940" cy="321973"/>
+            </a:xfrm>
+            <a:prstGeom prst="foldedCorner">
+              <a:avLst/>
+            </a:prstGeom>
+            <a:ln>
+              <a:noFill/>
+            </a:ln>
+          </p:spPr>
+          <p:style>
+            <a:lnRef idx="1">
+              <a:schemeClr val="accent5"/>
+            </a:lnRef>
+            <a:fillRef idx="2">
+              <a:schemeClr val="accent5"/>
+            </a:fillRef>
+            <a:effectRef idx="1">
+              <a:schemeClr val="accent5"/>
+            </a:effectRef>
+            <a:fontRef idx="minor">
+              <a:schemeClr val="dk1"/>
+            </a:fontRef>
+          </p:style>
+          <p:txBody>
+            <a:bodyPr rtlCol="0" anchor="ctr"/>
+            <a:lstStyle/>
+            <a:p>
+              <a:pPr algn="ctr"/>
+              <a:endParaRPr lang="en-US" dirty="0"/>
+            </a:p>
+          </p:txBody>
+        </p:sp>
+        <p:sp>
+          <p:nvSpPr>
+            <p:cNvPr id="84" name="Folded Corner 83"/>
+            <p:cNvSpPr/>
+            <p:nvPr/>
+          </p:nvSpPr>
+          <p:spPr>
+            <a:xfrm>
+              <a:off x="4205492" y="6071497"/>
+              <a:ext cx="218939" cy="321975"/>
+            </a:xfrm>
+            <a:prstGeom prst="foldedCorner">
+              <a:avLst/>
+            </a:prstGeom>
+            <a:ln>
+              <a:noFill/>
+            </a:ln>
+          </p:spPr>
+          <p:style>
+            <a:lnRef idx="1">
+              <a:schemeClr val="accent5"/>
+            </a:lnRef>
+            <a:fillRef idx="2">
+              <a:schemeClr val="accent5"/>
+            </a:fillRef>
+            <a:effectRef idx="1">
+              <a:schemeClr val="accent5"/>
+            </a:effectRef>
+            <a:fontRef idx="minor">
+              <a:schemeClr val="dk1"/>
+            </a:fontRef>
+          </p:style>
+          <p:txBody>
+            <a:bodyPr rtlCol="0" anchor="ctr">
+              <a:normAutofit fontScale="70000" lnSpcReduction="20000"/>
+            </a:bodyPr>
+            <a:lstStyle/>
+            <a:p>
+              <a:pPr algn="ctr"/>
+              <a:r>
+                <a:rPr lang="en-US" sz="200" dirty="0" smtClean="0"/>
+                <a:t>Put the lime in the coconut and drink it all up</a:t>
+              </a:r>
+              <a:endParaRPr lang="en-US" sz="200" dirty="0"/>
+            </a:p>
+          </p:txBody>
+        </p:sp>
+      </p:grpSp>
+      <p:sp>
+        <p:nvSpPr>
+          <p:cNvPr id="73" name="Folded Corner 72"/>
+          <p:cNvSpPr/>
+          <p:nvPr/>
+        </p:nvSpPr>
         <p:spPr>
-          <a:xfrm rot="5400000" flipH="1" flipV="1">
-            <a:off x="3825917" y="2832375"/>
-            <a:ext cx="1095059" cy="212492"/>
+          <a:xfrm>
+            <a:off x="7872698" y="4584367"/>
+            <a:ext cx="495125" cy="493352"/>
           </a:xfrm>
-          <a:prstGeom prst="line">
+          <a:prstGeom prst="foldedCorner">
             <a:avLst/>
           </a:prstGeom>
+          <a:ln>
+            <a:noFill/>
+          </a:ln>
         </p:spPr>
         <p:style>
           <a:lnRef idx="1">
-            <a:schemeClr val="accent1"/>
+            <a:schemeClr val="accent5"/>
           </a:lnRef>
-          <a:fillRef idx="0">
+          <a:fillRef idx="2">
+            <a:schemeClr val="accent5"/>
+          </a:fillRef>
+          <a:effectRef idx="1">
+            <a:schemeClr val="accent5"/>
+          </a:effectRef>
+          <a:fontRef idx="minor">
+            <a:schemeClr val="dk1"/>
+          </a:fontRef>
+        </p:style>
+        <p:txBody>
+          <a:bodyPr rtlCol="0" anchor="ctr"/>
+          <a:lstStyle/>
+          <a:p>
+            <a:pPr algn="ctr"/>
+            <a:r>
+              <a:rPr lang="en-US" sz="200" dirty="0" smtClean="0"/>
+              <a:t>Four score and seven years ago our four fathers brought forth upon they continent a new nation conceived in liberty and dedicated to the proposition that all men are created equal.</a:t>
+            </a:r>
+            <a:endParaRPr lang="en-US" sz="200" dirty="0"/>
+          </a:p>
+        </p:txBody>
+      </p:sp>
+      <p:sp>
+        <p:nvSpPr>
+          <p:cNvPr id="65" name="Can 64"/>
+          <p:cNvSpPr/>
+          <p:nvPr/>
+        </p:nvSpPr>
+        <p:spPr>
+          <a:xfrm>
+            <a:off x="2204707" y="3029473"/>
+            <a:ext cx="424994" cy="455053"/>
+          </a:xfrm>
+          <a:prstGeom prst="can">
+            <a:avLst/>
+          </a:prstGeom>
+          <a:solidFill>
+            <a:schemeClr val="accent1">
+              <a:alpha val="80000"/>
+            </a:schemeClr>
+          </a:solidFill>
+          <a:effectLst>
+            <a:outerShdw blurRad="50800" dist="38100" dir="8100000" algn="tr" rotWithShape="0">
+              <a:prstClr val="black">
+                <a:alpha val="40000"/>
+              </a:prstClr>
+            </a:outerShdw>
+          </a:effectLst>
+        </p:spPr>
+        <p:style>
+          <a:lnRef idx="0">
+            <a:schemeClr val="accent5"/>
+          </a:lnRef>
+          <a:fillRef idx="3">
+            <a:schemeClr val="accent5"/>
+          </a:fillRef>
+          <a:effectRef idx="3">
+            <a:schemeClr val="accent5"/>
+          </a:effectRef>
+          <a:fontRef idx="minor">
+            <a:schemeClr val="lt1"/>
+          </a:fontRef>
+        </p:style>
+        <p:txBody>
+          <a:bodyPr rtlCol="0" anchor="ctr"/>
+          <a:lstStyle/>
+          <a:p>
+            <a:pPr algn="ctr"/>
+            <a:endParaRPr lang="en-US" dirty="0"/>
+          </a:p>
+        </p:txBody>
+      </p:sp>
+      <p:sp>
+        <p:nvSpPr>
+          <p:cNvPr id="108" name="Rectangle 107"/>
+          <p:cNvSpPr/>
+          <p:nvPr/>
+        </p:nvSpPr>
+        <p:spPr>
+          <a:xfrm>
+            <a:off x="4927367" y="4739559"/>
+            <a:ext cx="2273533" cy="384892"/>
+          </a:xfrm>
+          <a:prstGeom prst="rect">
+            <a:avLst/>
+          </a:prstGeom>
+          <a:gradFill flip="none" rotWithShape="1">
+            <a:gsLst>
+              <a:gs pos="0">
+                <a:schemeClr val="bg2">
+                  <a:lumMod val="75000"/>
+                  <a:shade val="30000"/>
+                  <a:satMod val="115000"/>
+                </a:schemeClr>
+              </a:gs>
+              <a:gs pos="50000">
+                <a:schemeClr val="bg2">
+                  <a:lumMod val="75000"/>
+                  <a:shade val="67500"/>
+                  <a:satMod val="115000"/>
+                </a:schemeClr>
+              </a:gs>
+              <a:gs pos="100000">
+                <a:schemeClr val="bg2">
+                  <a:lumMod val="75000"/>
+                  <a:shade val="100000"/>
+                  <a:satMod val="115000"/>
+                </a:schemeClr>
+              </a:gs>
+            </a:gsLst>
+            <a:lin ang="10800000" scaled="1"/>
+            <a:tileRect/>
+          </a:gradFill>
+          <a:ln w="0"/>
+          <a:effectLst>
+            <a:outerShdw blurRad="50800" dist="38100" dir="10800000" algn="r" rotWithShape="0">
+              <a:prstClr val="black">
+                <a:alpha val="40000"/>
+              </a:prstClr>
+            </a:outerShdw>
+          </a:effectLst>
+        </p:spPr>
+        <p:style>
+          <a:lnRef idx="1">
+            <a:schemeClr val="accent6"/>
+          </a:lnRef>
+          <a:fillRef idx="3">
+            <a:schemeClr val="accent6"/>
+          </a:fillRef>
+          <a:effectRef idx="2">
+            <a:schemeClr val="accent6"/>
+          </a:effectRef>
+          <a:fontRef idx="minor">
+            <a:schemeClr val="lt1"/>
+          </a:fontRef>
+        </p:style>
+        <p:txBody>
+          <a:bodyPr rtlCol="0" anchor="t" anchorCtr="1"/>
+          <a:lstStyle/>
+          <a:p>
+            <a:pPr algn="ctr"/>
+            <a:r>
+              <a:rPr lang="en-US" sz="1600" dirty="0" smtClean="0">
+                <a:solidFill>
+                  <a:schemeClr val="tx1"/>
+                </a:solidFill>
+                <a:effectLst>
+                  <a:outerShdw blurRad="50800" dist="38100" algn="l" rotWithShape="0">
+                    <a:prstClr val="black">
+                      <a:alpha val="40000"/>
+                    </a:prstClr>
+                  </a:outerShdw>
+                </a:effectLst>
+              </a:rPr>
+              <a:t>Visual Studio </a:t>
+            </a:r>
+            <a:r>
+              <a:rPr lang="en-US" sz="1600" dirty="0" err="1" smtClean="0">
+                <a:solidFill>
+                  <a:schemeClr val="tx1"/>
+                </a:solidFill>
+                <a:effectLst>
+                  <a:outerShdw blurRad="50800" dist="38100" algn="l" rotWithShape="0">
+                    <a:prstClr val="black">
+                      <a:alpha val="40000"/>
+                    </a:prstClr>
+                  </a:outerShdw>
+                </a:effectLst>
+              </a:rPr>
+              <a:t>AddIn</a:t>
+            </a:r>
+            <a:endParaRPr lang="en-US" sz="1600" dirty="0">
+              <a:solidFill>
+                <a:schemeClr val="tx1"/>
+              </a:solidFill>
+              <a:effectLst>
+                <a:outerShdw blurRad="50800" dist="38100" algn="l" rotWithShape="0">
+                  <a:prstClr val="black">
+                    <a:alpha val="40000"/>
+                  </a:prstClr>
+                </a:outerShdw>
+              </a:effectLst>
+            </a:endParaRPr>
+          </a:p>
+        </p:txBody>
+      </p:sp>
+      <p:sp>
+        <p:nvSpPr>
+          <p:cNvPr id="61" name="Can 60"/>
+          <p:cNvSpPr/>
+          <p:nvPr/>
+        </p:nvSpPr>
+        <p:spPr>
+          <a:xfrm>
+            <a:off x="1816588" y="3142699"/>
+            <a:ext cx="425002" cy="455053"/>
+          </a:xfrm>
+          <a:prstGeom prst="can">
+            <a:avLst/>
+          </a:prstGeom>
+          <a:solidFill>
+            <a:schemeClr val="accent2">
+              <a:lumMod val="75000"/>
+              <a:alpha val="90000"/>
+            </a:schemeClr>
+          </a:solidFill>
+          <a:effectLst>
+            <a:outerShdw blurRad="50800" dist="38100" dir="13500000" algn="br" rotWithShape="0">
+              <a:prstClr val="black">
+                <a:alpha val="40000"/>
+              </a:prstClr>
+            </a:outerShdw>
+          </a:effectLst>
+        </p:spPr>
+        <p:style>
+          <a:lnRef idx="0">
+            <a:schemeClr val="accent2"/>
+          </a:lnRef>
+          <a:fillRef idx="3">
+            <a:schemeClr val="accent2"/>
+          </a:fillRef>
+          <a:effectRef idx="3">
+            <a:schemeClr val="accent2"/>
+          </a:effectRef>
+          <a:fontRef idx="minor">
+            <a:schemeClr val="lt1"/>
+          </a:fontRef>
+        </p:style>
+        <p:txBody>
+          <a:bodyPr rtlCol="0" anchor="ctr"/>
+          <a:lstStyle/>
+          <a:p>
+            <a:pPr algn="ctr"/>
+            <a:endParaRPr lang="en-US" dirty="0"/>
+          </a:p>
+        </p:txBody>
+      </p:sp>
+      <p:sp>
+        <p:nvSpPr>
+          <p:cNvPr id="103" name="Rectangle 102"/>
+          <p:cNvSpPr/>
+          <p:nvPr/>
+        </p:nvSpPr>
+        <p:spPr>
+          <a:xfrm>
+            <a:off x="1637361" y="4411959"/>
+            <a:ext cx="1210614" cy="441196"/>
+          </a:xfrm>
+          <a:prstGeom prst="rect">
+            <a:avLst/>
+          </a:prstGeom>
+          <a:solidFill>
+            <a:schemeClr val="accent1">
+              <a:lumMod val="20000"/>
+              <a:lumOff val="80000"/>
+            </a:schemeClr>
+          </a:solidFill>
+          <a:ln w="25400" cap="flat">
+            <a:prstDash val="solid"/>
+          </a:ln>
+          <a:effectLst/>
+        </p:spPr>
+        <p:style>
+          <a:lnRef idx="2">
+            <a:schemeClr val="accent1">
+              <a:shade val="50000"/>
+            </a:schemeClr>
+          </a:lnRef>
+          <a:fillRef idx="1">
             <a:schemeClr val="accent1"/>
           </a:fillRef>
           <a:effectRef idx="0">
             <a:schemeClr val="accent1"/>
           </a:effectRef>
           <a:fontRef idx="minor">
-            <a:schemeClr val="tx1"/>
+            <a:schemeClr val="lt1"/>
           </a:fontRef>
         </p:style>
-      </p:cxnSp>
-      <p:cxnSp>
-        <p:nvCxnSpPr>
-          <p:cNvPr id="94" name="Straight Connector 93"/>
-          <p:cNvCxnSpPr>
-            <a:endCxn id="17" idx="1"/>
-          </p:cNvCxnSpPr>
+        <p:txBody>
+          <a:bodyPr rtlCol="0" anchor="ctr"/>
+          <a:lstStyle/>
+          <a:p>
+            <a:pPr algn="ctr"/>
+            <a:r>
+              <a:rPr lang="en-US" sz="1400" dirty="0" err="1" smtClean="0">
+                <a:solidFill>
+                  <a:schemeClr val="tx1">
+                    <a:lumMod val="65000"/>
+                    <a:lumOff val="35000"/>
+                  </a:schemeClr>
+                </a:solidFill>
+              </a:rPr>
+              <a:t>ReportViewer</a:t>
+            </a:r>
+            <a:endParaRPr lang="en-US" sz="1400" dirty="0">
+              <a:solidFill>
+                <a:schemeClr val="tx1">
+                  <a:lumMod val="65000"/>
+                  <a:lumOff val="35000"/>
+                </a:schemeClr>
+              </a:solidFill>
+            </a:endParaRPr>
+          </a:p>
+        </p:txBody>
+      </p:sp>
+      <p:sp>
+        <p:nvSpPr>
+          <p:cNvPr id="109" name="TextBox 108"/>
+          <p:cNvSpPr txBox="1"/>
           <p:nvPr/>
-        </p:nvCxnSpPr>
+        </p:nvSpPr>
         <p:spPr>
-          <a:xfrm flipV="1">
-            <a:off x="4257675" y="3403242"/>
-            <a:ext cx="222017" cy="121008"/>
+          <a:xfrm>
+            <a:off x="4911668" y="4889109"/>
+            <a:ext cx="2146411" cy="137893"/>
           </a:xfrm>
-          <a:prstGeom prst="line">
+          <a:prstGeom prst="rect">
             <a:avLst/>
           </a:prstGeom>
+          <a:noFill/>
+          <a:effectLst/>
+        </p:spPr>
+        <p:txBody>
+          <a:bodyPr wrap="square" rtlCol="0">
+            <a:spAutoFit/>
+          </a:bodyPr>
+          <a:lstStyle/>
+          <a:p>
+            <a:r>
+              <a:rPr lang="en-US" sz="1050" dirty="0" smtClean="0"/>
+              <a:t> </a:t>
+            </a:r>
+            <a:endParaRPr lang="en-US" sz="1050" dirty="0" smtClean="0"/>
+          </a:p>
+        </p:txBody>
+      </p:sp>
+      <p:sp>
+        <p:nvSpPr>
+          <p:cNvPr id="122" name="Rectangle 121"/>
+          <p:cNvSpPr/>
+          <p:nvPr/>
+        </p:nvSpPr>
+        <p:spPr>
+          <a:xfrm>
+            <a:off x="315524" y="3020084"/>
+            <a:ext cx="1208476" cy="875763"/>
+          </a:xfrm>
+          <a:prstGeom prst="rect">
+            <a:avLst/>
+          </a:prstGeom>
+          <a:solidFill>
+            <a:srgbClr val="FFFF00"/>
+          </a:solidFill>
+          <a:ln w="50800">
+            <a:noFill/>
+          </a:ln>
+          <a:effectLst>
+            <a:outerShdw blurRad="63500" dist="38100" dir="10800000" algn="r" rotWithShape="0">
+              <a:prstClr val="black">
+                <a:alpha val="40000"/>
+              </a:prstClr>
+            </a:outerShdw>
+          </a:effectLst>
         </p:spPr>
         <p:style>
-          <a:lnRef idx="1">
-            <a:schemeClr val="accent1"/>
+          <a:lnRef idx="2">
+            <a:schemeClr val="accent6">
+              <a:shade val="50000"/>
+            </a:schemeClr>
           </a:lnRef>
-          <a:fillRef idx="0">
-            <a:schemeClr val="accent1"/>
+          <a:fillRef idx="1">
+            <a:schemeClr val="accent6"/>
           </a:fillRef>
           <a:effectRef idx="0">
-            <a:schemeClr val="accent1"/>
+            <a:schemeClr val="accent6"/>
           </a:effectRef>
           <a:fontRef idx="minor">
-            <a:schemeClr val="tx1"/>
+            <a:schemeClr val="lt1"/>
           </a:fontRef>
         </p:style>
-      </p:cxnSp>
-      <p:cxnSp>
-        <p:nvCxnSpPr>
-          <p:cNvPr id="96" name="Straight Connector 95"/>
-          <p:cNvCxnSpPr>
-            <a:endCxn id="18" idx="1"/>
-          </p:cNvCxnSpPr>
+        <p:txBody>
+          <a:bodyPr rtlCol="0" anchor="ctr"/>
+          <a:lstStyle/>
+          <a:p>
+            <a:pPr algn="ctr"/>
+            <a:endParaRPr lang="en-US" sz="1600" dirty="0"/>
+          </a:p>
+        </p:txBody>
+      </p:sp>
+      <p:sp>
+        <p:nvSpPr>
+          <p:cNvPr id="123" name="Oval 122"/>
+          <p:cNvSpPr/>
           <p:nvPr/>
-        </p:nvCxnSpPr>
+        </p:nvSpPr>
         <p:spPr>
-          <a:xfrm rot="16200000" flipH="1">
-            <a:off x="3848429" y="3923977"/>
-            <a:ext cx="1040512" cy="222014"/>
+          <a:xfrm>
+            <a:off x="305999" y="2784899"/>
+            <a:ext cx="1197735" cy="489397"/>
           </a:xfrm>
-          <a:prstGeom prst="line">
+          <a:prstGeom prst="ellipse">
             <a:avLst/>
           </a:prstGeom>
+          <a:solidFill>
+            <a:srgbClr val="FFFF00"/>
+          </a:solidFill>
+          <a:ln w="0"/>
+          <a:effectLst>
+            <a:outerShdw blurRad="50800" dist="38100" dir="10800000" algn="r" rotWithShape="0">
+              <a:prstClr val="black">
+                <a:alpha val="40000"/>
+              </a:prstClr>
+            </a:outerShdw>
+          </a:effectLst>
         </p:spPr>
         <p:style>
-          <a:lnRef idx="1">
-            <a:schemeClr val="accent1"/>
+          <a:lnRef idx="2">
+            <a:schemeClr val="accent6">
+              <a:shade val="50000"/>
+            </a:schemeClr>
           </a:lnRef>
-          <a:fillRef idx="0">
-            <a:schemeClr val="accent1"/>
+          <a:fillRef idx="1">
+            <a:schemeClr val="accent6"/>
           </a:fillRef>
           <a:effectRef idx="0">
-            <a:schemeClr val="accent1"/>
+            <a:schemeClr val="accent6"/>
           </a:effectRef>
           <a:fontRef idx="minor">
-            <a:schemeClr val="tx1"/>
+            <a:schemeClr val="lt1"/>
           </a:fontRef>
         </p:style>
-      </p:cxnSp>
-      <p:cxnSp>
-        <p:nvCxnSpPr>
-          <p:cNvPr id="100" name="Straight Connector 99"/>
-          <p:cNvCxnSpPr>
-            <a:endCxn id="19" idx="3"/>
-          </p:cNvCxnSpPr>
+        <p:txBody>
+          <a:bodyPr lIns="91440" rIns="91440" rtlCol="0" anchor="ctr">
+            <a:normAutofit fontScale="70000" lnSpcReduction="20000"/>
+          </a:bodyPr>
+          <a:lstStyle/>
+          <a:p>
+            <a:pPr algn="ctr"/>
+            <a:r>
+              <a:rPr lang="en-US" sz="1400" b="1" dirty="0" smtClean="0">
+                <a:solidFill>
+                  <a:schemeClr val="accent6">
+                    <a:lumMod val="50000"/>
+                  </a:schemeClr>
+                </a:solidFill>
+              </a:rPr>
+              <a:t>Secure Offsite</a:t>
+            </a:r>
+            <a:endParaRPr lang="en-US" sz="1400" b="1" dirty="0">
+              <a:solidFill>
+                <a:schemeClr val="accent6">
+                  <a:lumMod val="50000"/>
+                </a:schemeClr>
+              </a:solidFill>
+            </a:endParaRPr>
+          </a:p>
+        </p:txBody>
+      </p:sp>
+      <p:sp>
+        <p:nvSpPr>
+          <p:cNvPr id="124" name="Oval 123"/>
+          <p:cNvSpPr/>
           <p:nvPr/>
-        </p:nvCxnSpPr>
+        </p:nvSpPr>
         <p:spPr>
-          <a:xfrm rot="16200000" flipV="1">
-            <a:off x="3777413" y="3053513"/>
-            <a:ext cx="783027" cy="196548"/>
+          <a:xfrm>
+            <a:off x="305998" y="3689774"/>
+            <a:ext cx="1197736" cy="494764"/>
           </a:xfrm>
-          <a:prstGeom prst="line">
+          <a:prstGeom prst="ellipse">
             <a:avLst/>
           </a:prstGeom>
+          <a:solidFill>
+            <a:srgbClr val="FFFF00"/>
+          </a:solidFill>
+          <a:ln w="0"/>
+          <a:effectLst>
+            <a:outerShdw blurRad="50800" dist="38100" dir="8100000" algn="tr" rotWithShape="0">
+              <a:prstClr val="black">
+                <a:alpha val="40000"/>
+              </a:prstClr>
+            </a:outerShdw>
+          </a:effectLst>
         </p:spPr>
         <p:style>
-          <a:lnRef idx="1">
-            <a:schemeClr val="accent1"/>
+          <a:lnRef idx="2">
+            <a:schemeClr val="accent6">
+              <a:shade val="50000"/>
+            </a:schemeClr>
           </a:lnRef>
-          <a:fillRef idx="0">
-            <a:schemeClr val="accent1"/>
+          <a:fillRef idx="1">
+            <a:schemeClr val="accent6"/>
           </a:fillRef>
           <a:effectRef idx="0">
-            <a:schemeClr val="accent1"/>
+            <a:schemeClr val="accent6"/>
           </a:effectRef>
           <a:fontRef idx="minor">
-            <a:schemeClr val="tx1"/>
+            <a:schemeClr val="lt1"/>
           </a:fontRef>
         </p:style>
-      </p:cxnSp>
-      <p:cxnSp>
-        <p:nvCxnSpPr>
-          <p:cNvPr id="102" name="Straight Connector 101"/>
-          <p:cNvCxnSpPr>
-            <a:endCxn id="21" idx="3"/>
-          </p:cNvCxnSpPr>
+        <p:txBody>
+          <a:bodyPr rtlCol="0" anchor="ctr"/>
+          <a:lstStyle/>
+          <a:p>
+            <a:pPr algn="ctr"/>
+            <a:endParaRPr lang="en-US" dirty="0"/>
+          </a:p>
+        </p:txBody>
+      </p:sp>
+      <p:sp>
+        <p:nvSpPr>
+          <p:cNvPr id="127" name="Can 126"/>
+          <p:cNvSpPr/>
           <p:nvPr/>
-        </p:nvCxnSpPr>
+        </p:nvSpPr>
         <p:spPr>
-          <a:xfrm rot="5400000">
-            <a:off x="3794472" y="3770658"/>
-            <a:ext cx="719139" cy="207271"/>
+          <a:xfrm>
+            <a:off x="890257" y="3343798"/>
+            <a:ext cx="424994" cy="455053"/>
           </a:xfrm>
-          <a:prstGeom prst="line">
+          <a:prstGeom prst="can">
             <a:avLst/>
           </a:prstGeom>
+          <a:solidFill>
+            <a:schemeClr val="accent1">
+              <a:alpha val="80000"/>
+            </a:schemeClr>
+          </a:solidFill>
+          <a:effectLst>
+            <a:outerShdw blurRad="50800" dist="38100" dir="8100000" algn="tr" rotWithShape="0">
+              <a:prstClr val="black">
+                <a:alpha val="40000"/>
+              </a:prstClr>
+            </a:outerShdw>
+          </a:effectLst>
         </p:spPr>
         <p:style>
-          <a:lnRef idx="1">
-            <a:schemeClr val="accent1"/>
+          <a:lnRef idx="0">
+            <a:schemeClr val="accent5"/>
           </a:lnRef>
-          <a:fillRef idx="0">
-            <a:schemeClr val="accent1"/>
+          <a:fillRef idx="3">
+            <a:schemeClr val="accent5"/>
           </a:fillRef>
-          <a:effectRef idx="0">
-            <a:schemeClr val="accent1"/>
+          <a:effectRef idx="3">
+            <a:schemeClr val="accent5"/>
           </a:effectRef>
           <a:fontRef idx="minor">
-            <a:schemeClr val="tx1"/>
+            <a:schemeClr val="lt1"/>
           </a:fontRef>
         </p:style>
-      </p:cxnSp>
+        <p:txBody>
+          <a:bodyPr rtlCol="0" anchor="ctr"/>
+          <a:lstStyle/>
+          <a:p>
+            <a:pPr algn="ctr"/>
+            <a:endParaRPr lang="en-US" dirty="0"/>
+          </a:p>
+        </p:txBody>
+      </p:sp>
+      <p:sp>
+        <p:nvSpPr>
+          <p:cNvPr id="128" name="Can 127"/>
+          <p:cNvSpPr/>
+          <p:nvPr/>
+        </p:nvSpPr>
+        <p:spPr>
+          <a:xfrm>
+            <a:off x="502138" y="3457024"/>
+            <a:ext cx="425002" cy="455053"/>
+          </a:xfrm>
+          <a:prstGeom prst="can">
+            <a:avLst/>
+          </a:prstGeom>
+          <a:solidFill>
+            <a:schemeClr val="accent2">
+              <a:lumMod val="75000"/>
+              <a:alpha val="90000"/>
+            </a:schemeClr>
+          </a:solidFill>
+          <a:effectLst>
+            <a:outerShdw blurRad="50800" dist="38100" dir="13500000" algn="br" rotWithShape="0">
+              <a:prstClr val="black">
+                <a:alpha val="40000"/>
+              </a:prstClr>
+            </a:outerShdw>
+          </a:effectLst>
+        </p:spPr>
+        <p:style>
+          <a:lnRef idx="0">
+            <a:schemeClr val="accent2"/>
+          </a:lnRef>
+          <a:fillRef idx="3">
+            <a:schemeClr val="accent2"/>
+          </a:fillRef>
+          <a:effectRef idx="3">
+            <a:schemeClr val="accent2"/>
+          </a:effectRef>
+          <a:fontRef idx="minor">
+            <a:schemeClr val="lt1"/>
+          </a:fontRef>
+        </p:style>
+        <p:txBody>
+          <a:bodyPr rtlCol="0" anchor="ctr"/>
+          <a:lstStyle/>
+          <a:p>
+            <a:pPr algn="ctr"/>
+            <a:endParaRPr lang="en-US" dirty="0"/>
+          </a:p>
+        </p:txBody>
+      </p:sp>
     </p:spTree>
   </p:cSld>
   <p:clrMapOvr>
